--- a/pci_poster/poster_template.pptx
+++ b/pci_poster/poster_template.pptx
@@ -115,7 +115,7 @@
 <file path=ppt/revisionInfo.xml><?xml version="1.0" encoding="utf-8"?>
 <p1510:revInfo xmlns:a="http://schemas.openxmlformats.org/drawingml/2006/main" xmlns:r="http://schemas.openxmlformats.org/officeDocument/2006/relationships" xmlns:p1510="http://schemas.microsoft.com/office/powerpoint/2015/10/main">
   <p1510:revLst>
-    <p1510:client id="{A5BB3A64-C60C-45E9-BAE7-11B96E1E2D18}" v="22" dt="2026-01-14T04:49:34.834"/>
+    <p1510:client id="{A5BB3A64-C60C-45E9-BAE7-11B96E1E2D18}" v="69" dt="2026-01-14T08:58:47.802"/>
     <p1510:client id="{E1DC7D8A-5337-4AAE-9935-D0A80B248513}" v="376" dt="2026-01-13T09:38:14.758"/>
   </p1510:revLst>
 </p1510:revInfo>
@@ -126,12 +126,12 @@
   <pc:docChgLst>
     <pc:chgData name="Gillett, Richard" userId="f751afb3-89ee-4adb-bf46-b352b62550b4" providerId="ADAL" clId="{A5BB3A64-C60C-45E9-BAE7-11B96E1E2D18}"/>
     <pc:docChg chg="undo custSel modMainMaster">
-      <pc:chgData name="Gillett, Richard" userId="f751afb3-89ee-4adb-bf46-b352b62550b4" providerId="ADAL" clId="{A5BB3A64-C60C-45E9-BAE7-11B96E1E2D18}" dt="2026-01-14T04:51:59.236" v="144" actId="1035"/>
+      <pc:chgData name="Gillett, Richard" userId="f751afb3-89ee-4adb-bf46-b352b62550b4" providerId="ADAL" clId="{A5BB3A64-C60C-45E9-BAE7-11B96E1E2D18}" dt="2026-01-14T08:59:03.576" v="211" actId="207"/>
       <pc:docMkLst>
         <pc:docMk/>
       </pc:docMkLst>
       <pc:sldMasterChg chg="addSp delSp modSp mod modSldLayout">
-        <pc:chgData name="Gillett, Richard" userId="f751afb3-89ee-4adb-bf46-b352b62550b4" providerId="ADAL" clId="{A5BB3A64-C60C-45E9-BAE7-11B96E1E2D18}" dt="2026-01-14T04:51:59.236" v="144" actId="1035"/>
+        <pc:chgData name="Gillett, Richard" userId="f751afb3-89ee-4adb-bf46-b352b62550b4" providerId="ADAL" clId="{A5BB3A64-C60C-45E9-BAE7-11B96E1E2D18}" dt="2026-01-14T08:59:03.576" v="211" actId="207"/>
         <pc:sldMasterMkLst>
           <pc:docMk/>
           <pc:sldMasterMk cId="2640799190" sldId="2147483660"/>
@@ -232,13 +232,22 @@
             <ac:picMk id="1026" creationId="{950F8600-D76B-F4BC-D083-131E82D37775}"/>
           </ac:picMkLst>
         </pc:picChg>
-        <pc:sldLayoutChg chg="modSp mod">
-          <pc:chgData name="Gillett, Richard" userId="f751afb3-89ee-4adb-bf46-b352b62550b4" providerId="ADAL" clId="{A5BB3A64-C60C-45E9-BAE7-11B96E1E2D18}" dt="2026-01-14T04:46:52.401" v="61" actId="14100"/>
+        <pc:sldLayoutChg chg="addSp modSp mod">
+          <pc:chgData name="Gillett, Richard" userId="f751afb3-89ee-4adb-bf46-b352b62550b4" providerId="ADAL" clId="{A5BB3A64-C60C-45E9-BAE7-11B96E1E2D18}" dt="2026-01-14T08:59:03.576" v="211" actId="207"/>
           <pc:sldLayoutMkLst>
             <pc:docMk/>
             <pc:sldMasterMk cId="2640799190" sldId="2147483660"/>
             <pc:sldLayoutMk cId="1363397331" sldId="2147483661"/>
           </pc:sldLayoutMkLst>
+          <pc:spChg chg="add mod">
+            <ac:chgData name="Gillett, Richard" userId="f751afb3-89ee-4adb-bf46-b352b62550b4" providerId="ADAL" clId="{A5BB3A64-C60C-45E9-BAE7-11B96E1E2D18}" dt="2026-01-14T08:59:03.576" v="211" actId="207"/>
+            <ac:spMkLst>
+              <pc:docMk/>
+              <pc:sldMasterMk cId="2640799190" sldId="2147483660"/>
+              <pc:sldLayoutMk cId="1363397331" sldId="2147483661"/>
+              <ac:spMk id="5" creationId="{BC9ACC09-72D2-F111-D0CD-9876D08F6412}"/>
+            </ac:spMkLst>
+          </pc:spChg>
           <pc:spChg chg="mod">
             <ac:chgData name="Gillett, Richard" userId="f751afb3-89ee-4adb-bf46-b352b62550b4" providerId="ADAL" clId="{A5BB3A64-C60C-45E9-BAE7-11B96E1E2D18}" dt="2026-01-14T04:46:38.410" v="60" actId="1076"/>
             <ac:spMkLst>
@@ -303,12 +312,30 @@
             </ac:spMkLst>
           </pc:spChg>
           <pc:spChg chg="mod">
+            <ac:chgData name="Gillett, Richard" userId="f751afb3-89ee-4adb-bf46-b352b62550b4" providerId="ADAL" clId="{A5BB3A64-C60C-45E9-BAE7-11B96E1E2D18}" dt="2026-01-14T08:58:03.994" v="156" actId="255"/>
+            <ac:spMkLst>
+              <pc:docMk/>
+              <pc:sldMasterMk cId="2640799190" sldId="2147483660"/>
+              <pc:sldLayoutMk cId="1363397331" sldId="2147483661"/>
+              <ac:spMk id="43" creationId="{CDBAF79C-1ECD-4077-B693-FAA616F38BB3}"/>
+            </ac:spMkLst>
+          </pc:spChg>
+          <pc:spChg chg="mod">
             <ac:chgData name="Gillett, Richard" userId="f751afb3-89ee-4adb-bf46-b352b62550b4" providerId="ADAL" clId="{A5BB3A64-C60C-45E9-BAE7-11B96E1E2D18}" dt="2026-01-14T04:46:52.401" v="61" actId="14100"/>
             <ac:spMkLst>
               <pc:docMk/>
               <pc:sldMasterMk cId="2640799190" sldId="2147483660"/>
               <pc:sldLayoutMk cId="1363397331" sldId="2147483661"/>
               <ac:spMk id="44" creationId="{0E14B21D-632D-7EFD-12FE-450DCBD0C24C}"/>
+            </ac:spMkLst>
+          </pc:spChg>
+          <pc:spChg chg="mod">
+            <ac:chgData name="Gillett, Richard" userId="f751afb3-89ee-4adb-bf46-b352b62550b4" providerId="ADAL" clId="{A5BB3A64-C60C-45E9-BAE7-11B96E1E2D18}" dt="2026-01-14T08:58:47.802" v="210" actId="114"/>
+            <ac:spMkLst>
+              <pc:docMk/>
+              <pc:sldMasterMk cId="2640799190" sldId="2147483660"/>
+              <pc:sldLayoutMk cId="1363397331" sldId="2147483661"/>
+              <ac:spMk id="45" creationId="{CFA66B11-7F54-5482-663D-8B6227A02FBD}"/>
             </ac:spMkLst>
           </pc:spChg>
           <pc:spChg chg="mod">
@@ -338,6 +365,15 @@
               <ac:spMk id="50" creationId="{A8C0D454-B653-61F4-5751-F6813F0ADF7C}"/>
             </ac:spMkLst>
           </pc:spChg>
+          <pc:picChg chg="add mod modCrop">
+            <ac:chgData name="Gillett, Richard" userId="f751afb3-89ee-4adb-bf46-b352b62550b4" providerId="ADAL" clId="{A5BB3A64-C60C-45E9-BAE7-11B96E1E2D18}" dt="2026-01-14T08:57:56.993" v="155" actId="1076"/>
+            <ac:picMkLst>
+              <pc:docMk/>
+              <pc:sldMasterMk cId="2640799190" sldId="2147483660"/>
+              <pc:sldLayoutMk cId="1363397331" sldId="2147483661"/>
+              <ac:picMk id="3" creationId="{9498E89D-FFFB-BD02-CB4A-C6AF63419FA9}"/>
+            </ac:picMkLst>
+          </pc:picChg>
           <pc:picChg chg="mod">
             <ac:chgData name="Gillett, Richard" userId="f751afb3-89ee-4adb-bf46-b352b62550b4" providerId="ADAL" clId="{A5BB3A64-C60C-45E9-BAE7-11B96E1E2D18}" dt="2026-01-14T04:45:07.872" v="47" actId="1076"/>
             <ac:picMkLst>
@@ -2084,7 +2120,7 @@
         <p:spPr>
           <a:xfrm>
             <a:off x="65965" y="1810413"/>
-            <a:ext cx="4471412" cy="639646"/>
+            <a:ext cx="1058500" cy="639646"/>
           </a:xfrm>
           <a:prstGeom prst="roundRect">
             <a:avLst/>
@@ -2103,7 +2139,7 @@
           <a:lstStyle>
             <a:lvl1pPr marL="0" indent="0" algn="ctr">
               <a:buNone/>
-              <a:defRPr sz="1600">
+              <a:defRPr sz="1100">
                 <a:solidFill>
                   <a:schemeClr val="bg1"/>
                 </a:solidFill>
@@ -2190,9 +2226,9 @@
         <p:txBody>
           <a:bodyPr/>
           <a:lstStyle>
-            <a:lvl1pPr marL="0" indent="0">
+            <a:lvl1pPr marL="0" indent="0" algn="r">
               <a:buNone/>
-              <a:defRPr sz="1200"/>
+              <a:defRPr sz="1200" i="1"/>
             </a:lvl1pPr>
           </a:lstStyle>
           <a:p>
@@ -2927,6 +2963,116 @@
           </a:prstGeom>
         </p:spPr>
       </p:pic>
+      <p:pic>
+        <p:nvPicPr>
+          <p:cNvPr id="3" name="Picture 2" descr="A red stamp with text&#10;&#10;AI-generated content may be incorrect.">
+            <a:extLst>
+              <a:ext uri="{FF2B5EF4-FFF2-40B4-BE49-F238E27FC236}">
+                <a16:creationId xmlns:a16="http://schemas.microsoft.com/office/drawing/2014/main" id="{9498E89D-FFFB-BD02-CB4A-C6AF63419FA9}"/>
+              </a:ext>
+            </a:extLst>
+          </p:cNvPr>
+          <p:cNvPicPr>
+            <a:picLocks noChangeAspect="1"/>
+          </p:cNvPicPr>
+          <p:nvPr userDrawn="1"/>
+        </p:nvPicPr>
+        <p:blipFill>
+          <a:blip r:embed="rId12">
+            <a:clrChange>
+              <a:clrFrom>
+                <a:srgbClr val="FFFFFF"/>
+              </a:clrFrom>
+              <a:clrTo>
+                <a:srgbClr val="FFFFFF">
+                  <a:alpha val="0"/>
+                </a:srgbClr>
+              </a:clrTo>
+            </a:clrChange>
+            <a:extLst>
+              <a:ext uri="{28A0092B-C50C-407E-A947-70E740481C1C}">
+                <a14:useLocalDpi xmlns:a14="http://schemas.microsoft.com/office/drawing/2010/main" val="0"/>
+              </a:ext>
+              <a:ext uri="{837473B0-CC2E-450A-ABE3-18F120FF3D39}">
+                <a1611:picAttrSrcUrl xmlns:a1611="http://schemas.microsoft.com/office/drawing/2016/11/main" r:id="rId13"/>
+              </a:ext>
+            </a:extLst>
+          </a:blip>
+          <a:srcRect l="10752" t="26565" r="14031" b="26894"/>
+          <a:stretch/>
+        </p:blipFill>
+        <p:spPr>
+          <a:xfrm>
+            <a:off x="2134689" y="1391252"/>
+            <a:ext cx="2464252" cy="1215059"/>
+          </a:xfrm>
+          <a:prstGeom prst="rect">
+            <a:avLst/>
+          </a:prstGeom>
+        </p:spPr>
+      </p:pic>
+      <p:sp>
+        <p:nvSpPr>
+          <p:cNvPr id="5" name="ph_hosp_date_range">
+            <a:extLst>
+              <a:ext uri="{FF2B5EF4-FFF2-40B4-BE49-F238E27FC236}">
+                <a16:creationId xmlns:a16="http://schemas.microsoft.com/office/drawing/2014/main" id="{BC9ACC09-72D2-F111-D0CD-9876D08F6412}"/>
+              </a:ext>
+            </a:extLst>
+          </p:cNvPr>
+          <p:cNvSpPr>
+            <a:spLocks noGrp="1"/>
+          </p:cNvSpPr>
+          <p:nvPr>
+            <p:ph type="body" sz="quarter" idx="32" hasCustomPrompt="1"/>
+          </p:nvPr>
+        </p:nvSpPr>
+        <p:spPr>
+          <a:xfrm>
+            <a:off x="2764526" y="2483176"/>
+            <a:ext cx="1058500" cy="639646"/>
+          </a:xfrm>
+          <a:prstGeom prst="roundRect">
+            <a:avLst/>
+          </a:prstGeom>
+          <a:solidFill>
+            <a:srgbClr val="C11A1C"/>
+          </a:solidFill>
+          <a:ln>
+            <a:solidFill>
+              <a:srgbClr val="551B3C"/>
+            </a:solidFill>
+          </a:ln>
+        </p:spPr>
+        <p:txBody>
+          <a:bodyPr anchor="b" anchorCtr="0"/>
+          <a:lstStyle>
+            <a:lvl1pPr marL="0" indent="0" algn="ctr">
+              <a:buNone/>
+              <a:defRPr sz="1100">
+                <a:solidFill>
+                  <a:schemeClr val="bg1"/>
+                </a:solidFill>
+              </a:defRPr>
+            </a:lvl1pPr>
+            <a:lvl5pPr marL="1371600" indent="0" algn="l">
+              <a:buNone/>
+              <a:defRPr>
+                <a:solidFill>
+                  <a:schemeClr val="bg1"/>
+                </a:solidFill>
+              </a:defRPr>
+            </a:lvl5pPr>
+          </a:lstStyle>
+          <a:p>
+            <a:pPr lvl="0"/>
+            <a:r>
+              <a:rPr lang="en-AU" dirty="0"/>
+              <a:t>All data is artificially generated!</a:t>
+            </a:r>
+          </a:p>
+        </p:txBody>
+      </p:sp>
     </p:spTree>
     <p:extLst>
       <p:ext uri="{BB962C8B-B14F-4D97-AF65-F5344CB8AC3E}">

--- a/pci_poster/poster_template.pptx
+++ b/pci_poster/poster_template.pptx
@@ -115,8 +115,7 @@
 <file path=ppt/revisionInfo.xml><?xml version="1.0" encoding="utf-8"?>
 <p1510:revInfo xmlns:a="http://schemas.openxmlformats.org/drawingml/2006/main" xmlns:r="http://schemas.openxmlformats.org/officeDocument/2006/relationships" xmlns:p1510="http://schemas.microsoft.com/office/powerpoint/2015/10/main">
   <p1510:revLst>
-    <p1510:client id="{A5BB3A64-C60C-45E9-BAE7-11B96E1E2D18}" v="69" dt="2026-01-14T08:58:47.802"/>
-    <p1510:client id="{E1DC7D8A-5337-4AAE-9935-D0A80B248513}" v="376" dt="2026-01-13T09:38:14.758"/>
+    <p1510:client id="{A5BB3A64-C60C-45E9-BAE7-11B96E1E2D18}" v="71" dt="2026-01-14T09:54:05.797"/>
   </p1510:revLst>
 </p1510:revInfo>
 </file>
@@ -125,13 +124,60 @@
 <pc:chgInfo xmlns:a="http://schemas.openxmlformats.org/drawingml/2006/main" xmlns:r="http://schemas.openxmlformats.org/officeDocument/2006/relationships" xmlns:ac="http://schemas.microsoft.com/office/drawing/2013/main/command" xmlns:pc="http://schemas.microsoft.com/office/powerpoint/2013/main/command">
   <pc:docChgLst>
     <pc:chgData name="Gillett, Richard" userId="f751afb3-89ee-4adb-bf46-b352b62550b4" providerId="ADAL" clId="{A5BB3A64-C60C-45E9-BAE7-11B96E1E2D18}"/>
-    <pc:docChg chg="undo custSel modMainMaster">
-      <pc:chgData name="Gillett, Richard" userId="f751afb3-89ee-4adb-bf46-b352b62550b4" providerId="ADAL" clId="{A5BB3A64-C60C-45E9-BAE7-11B96E1E2D18}" dt="2026-01-14T08:59:03.576" v="211" actId="207"/>
+    <pc:docChg chg="undo custSel modSld modMainMaster">
+      <pc:chgData name="Gillett, Richard" userId="f751afb3-89ee-4adb-bf46-b352b62550b4" providerId="ADAL" clId="{A5BB3A64-C60C-45E9-BAE7-11B96E1E2D18}" dt="2026-01-14T09:55:55.459" v="251" actId="14100"/>
       <pc:docMkLst>
         <pc:docMk/>
       </pc:docMkLst>
+      <pc:sldChg chg="modSp mod">
+        <pc:chgData name="Gillett, Richard" userId="f751afb3-89ee-4adb-bf46-b352b62550b4" providerId="ADAL" clId="{A5BB3A64-C60C-45E9-BAE7-11B96E1E2D18}" dt="2026-01-14T09:55:55.459" v="251" actId="14100"/>
+        <pc:sldMkLst>
+          <pc:docMk/>
+          <pc:sldMk cId="4050248657" sldId="258"/>
+        </pc:sldMkLst>
+        <pc:spChg chg="mod">
+          <ac:chgData name="Gillett, Richard" userId="f751afb3-89ee-4adb-bf46-b352b62550b4" providerId="ADAL" clId="{A5BB3A64-C60C-45E9-BAE7-11B96E1E2D18}" dt="2026-01-14T09:55:37.491" v="248" actId="14100"/>
+          <ac:spMkLst>
+            <pc:docMk/>
+            <pc:sldMk cId="4050248657" sldId="258"/>
+            <ac:spMk id="2" creationId="{F4F36A85-40C1-99E5-A3BA-3666774AE73E}"/>
+          </ac:spMkLst>
+        </pc:spChg>
+        <pc:spChg chg="mod">
+          <ac:chgData name="Gillett, Richard" userId="f751afb3-89ee-4adb-bf46-b352b62550b4" providerId="ADAL" clId="{A5BB3A64-C60C-45E9-BAE7-11B96E1E2D18}" dt="2026-01-14T09:55:55.459" v="251" actId="14100"/>
+          <ac:spMkLst>
+            <pc:docMk/>
+            <pc:sldMk cId="4050248657" sldId="258"/>
+            <ac:spMk id="3" creationId="{376C39B9-C8C6-2B76-BE87-956DBD5F86B7}"/>
+          </ac:spMkLst>
+        </pc:spChg>
+        <pc:spChg chg="mod">
+          <ac:chgData name="Gillett, Richard" userId="f751afb3-89ee-4adb-bf46-b352b62550b4" providerId="ADAL" clId="{A5BB3A64-C60C-45E9-BAE7-11B96E1E2D18}" dt="2026-01-14T09:55:45.683" v="250" actId="1076"/>
+          <ac:spMkLst>
+            <pc:docMk/>
+            <pc:sldMk cId="4050248657" sldId="258"/>
+            <ac:spMk id="5" creationId="{6CF5C07D-A98D-DF62-0C9B-BAA4238D66ED}"/>
+          </ac:spMkLst>
+        </pc:spChg>
+        <pc:spChg chg="mod">
+          <ac:chgData name="Gillett, Richard" userId="f751afb3-89ee-4adb-bf46-b352b62550b4" providerId="ADAL" clId="{A5BB3A64-C60C-45E9-BAE7-11B96E1E2D18}" dt="2026-01-14T09:55:42.353" v="249" actId="1076"/>
+          <ac:spMkLst>
+            <pc:docMk/>
+            <pc:sldMk cId="4050248657" sldId="258"/>
+            <ac:spMk id="6" creationId="{4D0EF5F5-7D75-0122-641F-0ACF5C0197B5}"/>
+          </ac:spMkLst>
+        </pc:spChg>
+        <pc:spChg chg="mod">
+          <ac:chgData name="Gillett, Richard" userId="f751afb3-89ee-4adb-bf46-b352b62550b4" providerId="ADAL" clId="{A5BB3A64-C60C-45E9-BAE7-11B96E1E2D18}" dt="2026-01-14T09:55:24.531" v="247" actId="14100"/>
+          <ac:spMkLst>
+            <pc:docMk/>
+            <pc:sldMk cId="4050248657" sldId="258"/>
+            <ac:spMk id="9" creationId="{F98833C7-4F68-7FFA-40F5-A320C257F350}"/>
+          </ac:spMkLst>
+        </pc:spChg>
+      </pc:sldChg>
       <pc:sldMasterChg chg="addSp delSp modSp mod modSldLayout">
-        <pc:chgData name="Gillett, Richard" userId="f751afb3-89ee-4adb-bf46-b352b62550b4" providerId="ADAL" clId="{A5BB3A64-C60C-45E9-BAE7-11B96E1E2D18}" dt="2026-01-14T08:59:03.576" v="211" actId="207"/>
+        <pc:chgData name="Gillett, Richard" userId="f751afb3-89ee-4adb-bf46-b352b62550b4" providerId="ADAL" clId="{A5BB3A64-C60C-45E9-BAE7-11B96E1E2D18}" dt="2026-01-14T09:54:56.492" v="245" actId="122"/>
         <pc:sldMasterMkLst>
           <pc:docMk/>
           <pc:sldMasterMk cId="2640799190" sldId="2147483660"/>
@@ -232,15 +278,24 @@
             <ac:picMk id="1026" creationId="{950F8600-D76B-F4BC-D083-131E82D37775}"/>
           </ac:picMkLst>
         </pc:picChg>
-        <pc:sldLayoutChg chg="addSp modSp mod">
-          <pc:chgData name="Gillett, Richard" userId="f751afb3-89ee-4adb-bf46-b352b62550b4" providerId="ADAL" clId="{A5BB3A64-C60C-45E9-BAE7-11B96E1E2D18}" dt="2026-01-14T08:59:03.576" v="211" actId="207"/>
+        <pc:sldLayoutChg chg="addSp delSp modSp mod">
+          <pc:chgData name="Gillett, Richard" userId="f751afb3-89ee-4adb-bf46-b352b62550b4" providerId="ADAL" clId="{A5BB3A64-C60C-45E9-BAE7-11B96E1E2D18}" dt="2026-01-14T09:54:56.492" v="245" actId="122"/>
           <pc:sldLayoutMkLst>
             <pc:docMk/>
             <pc:sldMasterMk cId="2640799190" sldId="2147483660"/>
             <pc:sldLayoutMk cId="1363397331" sldId="2147483661"/>
           </pc:sldLayoutMkLst>
           <pc:spChg chg="add mod">
-            <ac:chgData name="Gillett, Richard" userId="f751afb3-89ee-4adb-bf46-b352b62550b4" providerId="ADAL" clId="{A5BB3A64-C60C-45E9-BAE7-11B96E1E2D18}" dt="2026-01-14T08:59:03.576" v="211" actId="207"/>
+            <ac:chgData name="Gillett, Richard" userId="f751afb3-89ee-4adb-bf46-b352b62550b4" providerId="ADAL" clId="{A5BB3A64-C60C-45E9-BAE7-11B96E1E2D18}" dt="2026-01-14T09:54:56.492" v="245" actId="122"/>
+            <ac:spMkLst>
+              <pc:docMk/>
+              <pc:sldMasterMk cId="2640799190" sldId="2147483660"/>
+              <pc:sldLayoutMk cId="1363397331" sldId="2147483661"/>
+              <ac:spMk id="2" creationId="{4EA715C1-D099-5522-9B8D-6FE225FA3DB4}"/>
+            </ac:spMkLst>
+          </pc:spChg>
+          <pc:spChg chg="add del mod">
+            <ac:chgData name="Gillett, Richard" userId="f751afb3-89ee-4adb-bf46-b352b62550b4" providerId="ADAL" clId="{A5BB3A64-C60C-45E9-BAE7-11B96E1E2D18}" dt="2026-01-14T09:53:55.812" v="213" actId="478"/>
             <ac:spMkLst>
               <pc:docMk/>
               <pc:sldMasterMk cId="2640799190" sldId="2147483660"/>
@@ -1605,7 +1660,7 @@
           <p:nvPr userDrawn="1"/>
         </p:nvPicPr>
         <p:blipFill>
-          <a:blip r:embed="rId2">
+          <a:blip r:embed="rId2" cstate="hqprint">
             <a:clrChange>
               <a:clrFrom>
                 <a:srgbClr val="E8F2F3"/>
@@ -1621,17 +1676,20 @@
                 <a14:imgProps xmlns:a14="http://schemas.microsoft.com/office/drawing/2010/main">
                   <a14:imgLayer r:embed="rId3">
                     <a14:imgEffect>
-                      <a14:backgroundRemoval t="54557" b="96289" l="57493" r="95277">
-                        <a14:foregroundMark x1="80007" y1="96289" x2="80007" y2="96289"/>
-                        <a14:foregroundMark x1="77131" y1="95833" x2="79510" y2="89909"/>
+                      <a14:backgroundRemoval t="0" b="95103" l="0" r="100000">
+                        <a14:foregroundMark x1="78925" y1="95261" x2="78925" y2="95261"/>
+                        <a14:foregroundMark x1="61505" y1="94155" x2="75914" y2="79779"/>
                       </a14:backgroundRemoval>
                     </a14:imgEffect>
                   </a14:imgLayer>
                 </a14:imgProps>
               </a:ext>
+              <a:ext uri="{28A0092B-C50C-407E-A947-70E740481C1C}">
+                <a14:useLocalDpi xmlns:a14="http://schemas.microsoft.com/office/drawing/2010/main"/>
+              </a:ext>
             </a:extLst>
           </a:blip>
-          <a:srcRect l="66973" t="57024" r="16524" b="1734"/>
+          <a:srcRect/>
           <a:stretch/>
         </p:blipFill>
         <p:spPr>
@@ -1689,7 +1747,7 @@
           <p:nvPr userDrawn="1"/>
         </p:nvPicPr>
         <p:blipFill>
-          <a:blip r:embed="rId5">
+          <a:blip r:embed="rId5" cstate="hqprint">
             <a:extLst>
               <a:ext uri="{BEBA8EAE-BF5A-486C-A8C5-ECC9F3942E4B}">
                 <a14:imgProps xmlns:a14="http://schemas.microsoft.com/office/drawing/2010/main">
@@ -1699,6 +1757,9 @@
                     </a14:imgEffect>
                   </a14:imgLayer>
                 </a14:imgProps>
+              </a:ext>
+              <a:ext uri="{28A0092B-C50C-407E-A947-70E740481C1C}">
+                <a14:useLocalDpi xmlns:a14="http://schemas.microsoft.com/office/drawing/2010/main"/>
               </a:ext>
             </a:extLst>
           </a:blip>
@@ -1767,10 +1828,10 @@
           <p:nvPr userDrawn="1"/>
         </p:nvPicPr>
         <p:blipFill>
-          <a:blip r:embed="rId8">
+          <a:blip r:embed="rId8" cstate="hqprint">
             <a:extLst>
               <a:ext uri="{28A0092B-C50C-407E-A947-70E740481C1C}">
-                <a14:useLocalDpi xmlns:a14="http://schemas.microsoft.com/office/drawing/2010/main" val="0"/>
+                <a14:useLocalDpi xmlns:a14="http://schemas.microsoft.com/office/drawing/2010/main"/>
               </a:ext>
             </a:extLst>
           </a:blip>
@@ -1814,29 +1875,32 @@
           <p:nvPr userDrawn="1"/>
         </p:nvPicPr>
         <p:blipFill>
-          <a:blip r:embed="rId9">
+          <a:blip r:embed="rId9" cstate="hqprint">
             <a:extLst>
               <a:ext uri="{BEBA8EAE-BF5A-486C-A8C5-ECC9F3942E4B}">
                 <a14:imgProps xmlns:a14="http://schemas.microsoft.com/office/drawing/2010/main">
                   <a14:imgLayer r:embed="rId10">
                     <a14:imgEffect>
-                      <a14:backgroundRemoval t="26834" b="66547" l="33301" r="66797">
-                        <a14:foregroundMark x1="41211" y1="27191" x2="47852" y2="27191"/>
-                        <a14:foregroundMark x1="52441" y1="26834" x2="58398" y2="26834"/>
-                        <a14:foregroundMark x1="42383" y1="46869" x2="44824" y2="51878"/>
-                        <a14:foregroundMark x1="52246" y1="35063" x2="56934" y2="42397"/>
-                        <a14:foregroundMark x1="56934" y1="31664" x2="56738" y2="38640"/>
-                        <a14:foregroundMark x1="41797" y1="30590" x2="41992" y2="33274"/>
-                        <a14:foregroundMark x1="42090" y1="64043" x2="49219" y2="66547"/>
-                        <a14:foregroundMark x1="49219" y1="66547" x2="58984" y2="63864"/>
+                      <a14:backgroundRemoval t="9020" b="95686" l="10000" r="89767">
+                        <a14:foregroundMark x1="28837" y1="9804" x2="44651" y2="9804"/>
+                        <a14:foregroundMark x1="55581" y1="9020" x2="69767" y2="9020"/>
+                        <a14:foregroundMark x1="31628" y1="52941" x2="37442" y2="63922"/>
+                        <a14:foregroundMark x1="55116" y1="27059" x2="66279" y2="43137"/>
+                        <a14:foregroundMark x1="66279" y1="19608" x2="65814" y2="34902"/>
+                        <a14:foregroundMark x1="30233" y1="17255" x2="30698" y2="23137"/>
+                        <a14:foregroundMark x1="30930" y1="90588" x2="47907" y2="96078"/>
+                        <a14:foregroundMark x1="47907" y1="96078" x2="71163" y2="90196"/>
                       </a14:backgroundRemoval>
                     </a14:imgEffect>
                   </a14:imgLayer>
                 </a14:imgProps>
               </a:ext>
+              <a:ext uri="{28A0092B-C50C-407E-A947-70E740481C1C}">
+                <a14:useLocalDpi xmlns:a14="http://schemas.microsoft.com/office/drawing/2010/main"/>
+              </a:ext>
             </a:extLst>
           </a:blip>
-          <a:srcRect l="29120" t="22634" r="28939" b="31637"/>
+          <a:srcRect/>
           <a:stretch/>
         </p:blipFill>
         <p:spPr>
@@ -2948,7 +3012,13 @@
           <p:nvPr userDrawn="1"/>
         </p:nvPicPr>
         <p:blipFill>
-          <a:blip r:embed="rId11"/>
+          <a:blip r:embed="rId11" cstate="hqprint">
+            <a:extLst>
+              <a:ext uri="{28A0092B-C50C-407E-A947-70E740481C1C}">
+                <a14:useLocalDpi xmlns:a14="http://schemas.microsoft.com/office/drawing/2010/main"/>
+              </a:ext>
+            </a:extLst>
+          </a:blip>
           <a:stretch>
             <a:fillRect/>
           </a:stretch>
@@ -2978,7 +3048,7 @@
           <p:nvPr userDrawn="1"/>
         </p:nvPicPr>
         <p:blipFill>
-          <a:blip r:embed="rId12">
+          <a:blip r:embed="rId12" cstate="hqprint">
             <a:clrChange>
               <a:clrFrom>
                 <a:srgbClr val="FFFFFF"/>
@@ -2991,14 +3061,14 @@
             </a:clrChange>
             <a:extLst>
               <a:ext uri="{28A0092B-C50C-407E-A947-70E740481C1C}">
-                <a14:useLocalDpi xmlns:a14="http://schemas.microsoft.com/office/drawing/2010/main" val="0"/>
+                <a14:useLocalDpi xmlns:a14="http://schemas.microsoft.com/office/drawing/2010/main"/>
               </a:ext>
               <a:ext uri="{837473B0-CC2E-450A-ABE3-18F120FF3D39}">
                 <a1611:picAttrSrcUrl xmlns:a1611="http://schemas.microsoft.com/office/drawing/2016/11/main" r:id="rId13"/>
               </a:ext>
             </a:extLst>
           </a:blip>
-          <a:srcRect l="10752" t="26565" r="14031" b="26894"/>
+          <a:srcRect/>
           <a:stretch/>
         </p:blipFill>
         <p:spPr>
@@ -3013,61 +3083,54 @@
       </p:pic>
       <p:sp>
         <p:nvSpPr>
-          <p:cNvPr id="5" name="ph_hosp_date_range">
+          <p:cNvPr id="2" name="Rectangle 1">
             <a:extLst>
               <a:ext uri="{FF2B5EF4-FFF2-40B4-BE49-F238E27FC236}">
-                <a16:creationId xmlns:a16="http://schemas.microsoft.com/office/drawing/2014/main" id="{BC9ACC09-72D2-F111-D0CD-9876D08F6412}"/>
+                <a16:creationId xmlns:a16="http://schemas.microsoft.com/office/drawing/2014/main" id="{4EA715C1-D099-5522-9B8D-6FE225FA3DB4}"/>
               </a:ext>
             </a:extLst>
           </p:cNvPr>
-          <p:cNvSpPr>
-            <a:spLocks noGrp="1"/>
-          </p:cNvSpPr>
-          <p:nvPr>
-            <p:ph type="body" sz="quarter" idx="32" hasCustomPrompt="1"/>
-          </p:nvPr>
+          <p:cNvSpPr/>
+          <p:nvPr userDrawn="1"/>
         </p:nvSpPr>
         <p:spPr>
-          <a:xfrm>
-            <a:off x="2764526" y="2483176"/>
-            <a:ext cx="1058500" cy="639646"/>
+          <a:xfrm rot="20997267">
+            <a:off x="2782260" y="2371528"/>
+            <a:ext cx="1431931" cy="407786"/>
           </a:xfrm>
-          <a:prstGeom prst="roundRect">
+          <a:prstGeom prst="rect">
             <a:avLst/>
           </a:prstGeom>
           <a:solidFill>
-            <a:srgbClr val="C11A1C"/>
+            <a:srgbClr val="FF0000"/>
           </a:solidFill>
           <a:ln>
-            <a:solidFill>
-              <a:srgbClr val="551B3C"/>
-            </a:solidFill>
+            <a:noFill/>
           </a:ln>
         </p:spPr>
+        <p:style>
+          <a:lnRef idx="2">
+            <a:schemeClr val="accent1">
+              <a:shade val="15000"/>
+            </a:schemeClr>
+          </a:lnRef>
+          <a:fillRef idx="1">
+            <a:schemeClr val="accent1"/>
+          </a:fillRef>
+          <a:effectRef idx="0">
+            <a:schemeClr val="accent1"/>
+          </a:effectRef>
+          <a:fontRef idx="minor">
+            <a:schemeClr val="lt1"/>
+          </a:fontRef>
+        </p:style>
         <p:txBody>
-          <a:bodyPr anchor="b" anchorCtr="0"/>
-          <a:lstStyle>
-            <a:lvl1pPr marL="0" indent="0" algn="ctr">
-              <a:buNone/>
-              <a:defRPr sz="1100">
-                <a:solidFill>
-                  <a:schemeClr val="bg1"/>
-                </a:solidFill>
-              </a:defRPr>
-            </a:lvl1pPr>
-            <a:lvl5pPr marL="1371600" indent="0" algn="l">
-              <a:buNone/>
-              <a:defRPr>
-                <a:solidFill>
-                  <a:schemeClr val="bg1"/>
-                </a:solidFill>
-              </a:defRPr>
-            </a:lvl5pPr>
-          </a:lstStyle>
+          <a:bodyPr rtlCol="0" anchor="ctr"/>
+          <a:lstStyle/>
           <a:p>
-            <a:pPr lvl="0"/>
+            <a:pPr lvl="0" algn="ctr"/>
             <a:r>
-              <a:rPr lang="en-AU" dirty="0"/>
+              <a:rPr lang="en-AU" sz="1100" dirty="0"/>
               <a:t>All data is artificially generated!</a:t>
             </a:r>
           </a:p>
@@ -3332,7 +3395,7 @@
           <p:nvPr userDrawn="1"/>
         </p:nvPicPr>
         <p:blipFill>
-          <a:blip r:embed="rId3">
+          <a:blip r:embed="rId3" cstate="hqprint">
             <a:clrChange>
               <a:clrFrom>
                 <a:srgbClr val="FCFCFC"/>
@@ -3374,6 +3437,9 @@
                     </a14:imgEffect>
                   </a14:imgLayer>
                 </a14:imgProps>
+              </a:ext>
+              <a:ext uri="{28A0092B-C50C-407E-A947-70E740481C1C}">
+                <a14:useLocalDpi xmlns:a14="http://schemas.microsoft.com/office/drawing/2010/main"/>
               </a:ext>
             </a:extLst>
           </a:blip>
@@ -6928,7 +6994,7 @@
         <p:spPr>
           <a:xfrm>
             <a:off x="192570" y="5457660"/>
-            <a:ext cx="3004069" cy="437783"/>
+            <a:ext cx="1945149" cy="967854"/>
           </a:xfrm>
           <a:prstGeom prst="rect">
             <a:avLst/>
@@ -6960,8 +7026,8 @@
         </p:nvSpPr>
         <p:spPr>
           <a:xfrm>
-            <a:off x="4214845" y="2216893"/>
-            <a:ext cx="2607441" cy="614090"/>
+            <a:off x="4905632" y="2216893"/>
+            <a:ext cx="1916654" cy="614090"/>
           </a:xfrm>
           <a:prstGeom prst="rect">
             <a:avLst/>
@@ -7026,7 +7092,7 @@
         </p:nvSpPr>
         <p:spPr>
           <a:xfrm>
-            <a:off x="4134555" y="6734402"/>
+            <a:off x="4152495" y="8229570"/>
             <a:ext cx="2623018" cy="620712"/>
           </a:xfrm>
           <a:prstGeom prst="rect">
@@ -7059,7 +7125,7 @@
         </p:nvSpPr>
         <p:spPr>
           <a:xfrm>
-            <a:off x="5292060" y="5458388"/>
+            <a:off x="5292060" y="5896551"/>
             <a:ext cx="1465513" cy="673021"/>
           </a:xfrm>
           <a:prstGeom prst="rect">
@@ -7136,7 +7202,7 @@
           <a:bodyPr/>
           <a:lstStyle/>
           <a:p>
-            <a:endParaRPr lang="en-AU"/>
+            <a:endParaRPr lang="en-AU" dirty="0"/>
           </a:p>
         </p:txBody>
       </p:sp>
@@ -7158,8 +7224,8 @@
         </p:nvSpPr>
         <p:spPr>
           <a:xfrm>
-            <a:off x="167027" y="1714499"/>
-            <a:ext cx="2930033" cy="855705"/>
+            <a:off x="167028" y="1714499"/>
+            <a:ext cx="1266356" cy="855705"/>
           </a:xfrm>
           <a:prstGeom prst="rect">
             <a:avLst/>

--- a/pci_poster/poster_template.pptx
+++ b/pci_poster/poster_template.pptx
@@ -115,7 +115,7 @@
 <file path=ppt/revisionInfo.xml><?xml version="1.0" encoding="utf-8"?>
 <p1510:revInfo xmlns:a="http://schemas.openxmlformats.org/drawingml/2006/main" xmlns:r="http://schemas.openxmlformats.org/officeDocument/2006/relationships" xmlns:p1510="http://schemas.microsoft.com/office/powerpoint/2015/10/main">
   <p1510:revLst>
-    <p1510:client id="{A5BB3A64-C60C-45E9-BAE7-11B96E1E2D18}" v="71" dt="2026-01-14T09:54:05.797"/>
+    <p1510:client id="{A5BB3A64-C60C-45E9-BAE7-11B96E1E2D18}" v="84" dt="2026-01-15T01:42:38.423"/>
   </p1510:revLst>
 </p1510:revInfo>
 </file>
@@ -125,7 +125,7 @@
   <pc:docChgLst>
     <pc:chgData name="Gillett, Richard" userId="f751afb3-89ee-4adb-bf46-b352b62550b4" providerId="ADAL" clId="{A5BB3A64-C60C-45E9-BAE7-11B96E1E2D18}"/>
     <pc:docChg chg="undo custSel modSld modMainMaster">
-      <pc:chgData name="Gillett, Richard" userId="f751afb3-89ee-4adb-bf46-b352b62550b4" providerId="ADAL" clId="{A5BB3A64-C60C-45E9-BAE7-11B96E1E2D18}" dt="2026-01-14T09:55:55.459" v="251" actId="14100"/>
+      <pc:chgData name="Gillett, Richard" userId="f751afb3-89ee-4adb-bf46-b352b62550b4" providerId="ADAL" clId="{A5BB3A64-C60C-45E9-BAE7-11B96E1E2D18}" dt="2026-01-15T01:43:24.854" v="403" actId="1038"/>
       <pc:docMkLst>
         <pc:docMk/>
       </pc:docMkLst>
@@ -177,7 +177,7 @@
         </pc:spChg>
       </pc:sldChg>
       <pc:sldMasterChg chg="addSp delSp modSp mod modSldLayout">
-        <pc:chgData name="Gillett, Richard" userId="f751afb3-89ee-4adb-bf46-b352b62550b4" providerId="ADAL" clId="{A5BB3A64-C60C-45E9-BAE7-11B96E1E2D18}" dt="2026-01-14T09:54:56.492" v="245" actId="122"/>
+        <pc:chgData name="Gillett, Richard" userId="f751afb3-89ee-4adb-bf46-b352b62550b4" providerId="ADAL" clId="{A5BB3A64-C60C-45E9-BAE7-11B96E1E2D18}" dt="2026-01-15T01:43:24.854" v="403" actId="1038"/>
         <pc:sldMasterMkLst>
           <pc:docMk/>
           <pc:sldMasterMk cId="2640799190" sldId="2147483660"/>
@@ -246,6 +246,22 @@
             <ac:spMk id="13" creationId="{68726AF4-FDF9-481F-5FAC-5D44970F8F1A}"/>
           </ac:spMkLst>
         </pc:spChg>
+        <pc:spChg chg="add mod">
+          <ac:chgData name="Gillett, Richard" userId="f751afb3-89ee-4adb-bf46-b352b62550b4" providerId="ADAL" clId="{A5BB3A64-C60C-45E9-BAE7-11B96E1E2D18}" dt="2026-01-14T12:51:09.020" v="291" actId="1038"/>
+          <ac:spMkLst>
+            <pc:docMk/>
+            <pc:sldMasterMk cId="2640799190" sldId="2147483660"/>
+            <ac:spMk id="15" creationId="{0A8B2BEF-EC4A-AACD-7AC0-27A940353D18}"/>
+          </ac:spMkLst>
+        </pc:spChg>
+        <pc:spChg chg="add mod">
+          <ac:chgData name="Gillett, Richard" userId="f751afb3-89ee-4adb-bf46-b352b62550b4" providerId="ADAL" clId="{A5BB3A64-C60C-45E9-BAE7-11B96E1E2D18}" dt="2026-01-14T12:51:35.569" v="348" actId="1038"/>
+          <ac:spMkLst>
+            <pc:docMk/>
+            <pc:sldMasterMk cId="2640799190" sldId="2147483660"/>
+            <ac:spMk id="16" creationId="{2AB87B99-53BD-A3E1-EC73-2148133BEA33}"/>
+          </ac:spMkLst>
+        </pc:spChg>
         <pc:grpChg chg="mod">
           <ac:chgData name="Gillett, Richard" userId="f751afb3-89ee-4adb-bf46-b352b62550b4" providerId="ADAL" clId="{A5BB3A64-C60C-45E9-BAE7-11B96E1E2D18}" dt="2026-01-14T04:51:59.236" v="144" actId="1035"/>
           <ac:grpSpMkLst>
@@ -254,6 +270,14 @@
             <ac:grpSpMk id="3" creationId="{8DD6D3AA-4BA7-8A63-733C-C14EAA9FDEB7}"/>
           </ac:grpSpMkLst>
         </pc:grpChg>
+        <pc:picChg chg="del mod modCrop">
+          <ac:chgData name="Gillett, Richard" userId="f751afb3-89ee-4adb-bf46-b352b62550b4" providerId="ADAL" clId="{A5BB3A64-C60C-45E9-BAE7-11B96E1E2D18}" dt="2026-01-14T12:52:46.947" v="358" actId="478"/>
+          <ac:picMkLst>
+            <pc:docMk/>
+            <pc:sldMasterMk cId="2640799190" sldId="2147483660"/>
+            <ac:picMk id="4" creationId="{51E7BF01-DAA0-96B3-CBE2-33C489A3AC33}"/>
+          </ac:picMkLst>
+        </pc:picChg>
         <pc:picChg chg="add mod">
           <ac:chgData name="Gillett, Richard" userId="f751afb3-89ee-4adb-bf46-b352b62550b4" providerId="ADAL" clId="{A5BB3A64-C60C-45E9-BAE7-11B96E1E2D18}" dt="2026-01-14T04:49:02.755" v="62"/>
           <ac:picMkLst>
@@ -270,6 +294,14 @@
             <ac:picMk id="11" creationId="{5431439A-A48B-90A9-75ED-DBECEC227C72}"/>
           </ac:picMkLst>
         </pc:picChg>
+        <pc:picChg chg="add mod modCrop">
+          <ac:chgData name="Gillett, Richard" userId="f751afb3-89ee-4adb-bf46-b352b62550b4" providerId="ADAL" clId="{A5BB3A64-C60C-45E9-BAE7-11B96E1E2D18}" dt="2026-01-14T12:53:03.702" v="362" actId="1037"/>
+          <ac:picMkLst>
+            <pc:docMk/>
+            <pc:sldMasterMk cId="2640799190" sldId="2147483660"/>
+            <ac:picMk id="18" creationId="{CA3877DB-6975-A75F-DBFC-236D4FEC401C}"/>
+          </ac:picMkLst>
+        </pc:picChg>
         <pc:picChg chg="del">
           <ac:chgData name="Gillett, Richard" userId="f751afb3-89ee-4adb-bf46-b352b62550b4" providerId="ADAL" clId="{A5BB3A64-C60C-45E9-BAE7-11B96E1E2D18}" dt="2026-01-14T04:49:34.833" v="69" actId="478"/>
           <ac:picMkLst>
@@ -279,7 +311,7 @@
           </ac:picMkLst>
         </pc:picChg>
         <pc:sldLayoutChg chg="addSp delSp modSp mod">
-          <pc:chgData name="Gillett, Richard" userId="f751afb3-89ee-4adb-bf46-b352b62550b4" providerId="ADAL" clId="{A5BB3A64-C60C-45E9-BAE7-11B96E1E2D18}" dt="2026-01-14T09:54:56.492" v="245" actId="122"/>
+          <pc:chgData name="Gillett, Richard" userId="f751afb3-89ee-4adb-bf46-b352b62550b4" providerId="ADAL" clId="{A5BB3A64-C60C-45E9-BAE7-11B96E1E2D18}" dt="2026-01-15T01:43:24.854" v="403" actId="1038"/>
           <pc:sldLayoutMkLst>
             <pc:docMk/>
             <pc:sldMasterMk cId="2640799190" sldId="2147483660"/>
@@ -331,7 +363,7 @@
             </ac:spMkLst>
           </pc:spChg>
           <pc:spChg chg="mod">
-            <ac:chgData name="Gillett, Richard" userId="f751afb3-89ee-4adb-bf46-b352b62550b4" providerId="ADAL" clId="{A5BB3A64-C60C-45E9-BAE7-11B96E1E2D18}" dt="2026-01-14T04:43:22.291" v="17" actId="14100"/>
+            <ac:chgData name="Gillett, Richard" userId="f751afb3-89ee-4adb-bf46-b352b62550b4" providerId="ADAL" clId="{A5BB3A64-C60C-45E9-BAE7-11B96E1E2D18}" dt="2026-01-14T12:29:47.026" v="253" actId="962"/>
             <ac:spMkLst>
               <pc:docMk/>
               <pc:sldMasterMk cId="2640799190" sldId="2147483660"/>
@@ -367,7 +399,7 @@
             </ac:spMkLst>
           </pc:spChg>
           <pc:spChg chg="mod">
-            <ac:chgData name="Gillett, Richard" userId="f751afb3-89ee-4adb-bf46-b352b62550b4" providerId="ADAL" clId="{A5BB3A64-C60C-45E9-BAE7-11B96E1E2D18}" dt="2026-01-14T08:58:03.994" v="156" actId="255"/>
+            <ac:chgData name="Gillett, Richard" userId="f751afb3-89ee-4adb-bf46-b352b62550b4" providerId="ADAL" clId="{A5BB3A64-C60C-45E9-BAE7-11B96E1E2D18}" dt="2026-01-14T12:54:25.126" v="369" actId="242"/>
             <ac:spMkLst>
               <pc:docMk/>
               <pc:sldMasterMk cId="2640799190" sldId="2147483660"/>
@@ -403,7 +435,7 @@
             </ac:spMkLst>
           </pc:spChg>
           <pc:spChg chg="mod">
-            <ac:chgData name="Gillett, Richard" userId="f751afb3-89ee-4adb-bf46-b352b62550b4" providerId="ADAL" clId="{A5BB3A64-C60C-45E9-BAE7-11B96E1E2D18}" dt="2026-01-14T04:43:14.725" v="15" actId="1037"/>
+            <ac:chgData name="Gillett, Richard" userId="f751afb3-89ee-4adb-bf46-b352b62550b4" providerId="ADAL" clId="{A5BB3A64-C60C-45E9-BAE7-11B96E1E2D18}" dt="2026-01-14T12:29:47.026" v="253" actId="962"/>
             <ac:spMkLst>
               <pc:docMk/>
               <pc:sldMasterMk cId="2640799190" sldId="2147483660"/>
@@ -427,6 +459,24 @@
               <pc:sldMasterMk cId="2640799190" sldId="2147483660"/>
               <pc:sldLayoutMk cId="1363397331" sldId="2147483661"/>
               <ac:picMk id="3" creationId="{9498E89D-FFFB-BD02-CB4A-C6AF63419FA9}"/>
+            </ac:picMkLst>
+          </pc:picChg>
+          <pc:picChg chg="add mod ord">
+            <ac:chgData name="Gillett, Richard" userId="f751afb3-89ee-4adb-bf46-b352b62550b4" providerId="ADAL" clId="{A5BB3A64-C60C-45E9-BAE7-11B96E1E2D18}" dt="2026-01-15T01:43:24.854" v="403" actId="1038"/>
+            <ac:picMkLst>
+              <pc:docMk/>
+              <pc:sldMasterMk cId="2640799190" sldId="2147483660"/>
+              <pc:sldLayoutMk cId="1363397331" sldId="2147483661"/>
+              <ac:picMk id="6" creationId="{5F294ACB-2AAB-53EB-3D12-B7F8668F3ED8}"/>
+            </ac:picMkLst>
+          </pc:picChg>
+          <pc:picChg chg="del">
+            <ac:chgData name="Gillett, Richard" userId="f751afb3-89ee-4adb-bf46-b352b62550b4" providerId="ADAL" clId="{A5BB3A64-C60C-45E9-BAE7-11B96E1E2D18}" dt="2026-01-15T01:42:36.167" v="370" actId="478"/>
+            <ac:picMkLst>
+              <pc:docMk/>
+              <pc:sldMasterMk cId="2640799190" sldId="2147483660"/>
+              <pc:sldLayoutMk cId="1363397331" sldId="2147483661"/>
+              <ac:picMk id="53" creationId="{02E5031A-50D3-880E-59DE-415DAA829CAC}"/>
             </ac:picMkLst>
           </pc:picChg>
           <pc:picChg chg="mod">
@@ -809,22 +859,6 @@
             <ac:spMk id="14" creationId="{465D00C7-B8A6-3024-4A5D-41B448AA8CD8}"/>
           </ac:spMkLst>
         </pc:spChg>
-        <pc:picChg chg="add del mod modCrop">
-          <ac:chgData name="Gillett, Richard" userId="f751afb3-89ee-4adb-bf46-b352b62550b4" providerId="ADAL" clId="{E1DC7D8A-5337-4AAE-9935-D0A80B248513}" dt="2026-01-12T02:19:20.597" v="1006"/>
-          <ac:picMkLst>
-            <pc:docMk/>
-            <pc:sldMasterMk cId="2640799190" sldId="2147483660"/>
-            <ac:picMk id="4" creationId="{51E7BF01-DAA0-96B3-CBE2-33C489A3AC33}"/>
-          </ac:picMkLst>
-        </pc:picChg>
-        <pc:picChg chg="add mod">
-          <ac:chgData name="Gillett, Richard" userId="f751afb3-89ee-4adb-bf46-b352b62550b4" providerId="ADAL" clId="{E1DC7D8A-5337-4AAE-9935-D0A80B248513}" dt="2026-01-13T09:38:14.758" v="1023" actId="1036"/>
-          <ac:picMkLst>
-            <pc:docMk/>
-            <pc:sldMasterMk cId="2640799190" sldId="2147483660"/>
-            <ac:picMk id="1026" creationId="{950F8600-D76B-F4BC-D083-131E82D37775}"/>
-          </ac:picMkLst>
-        </pc:picChg>
         <pc:sldLayoutChg chg="addSp delSp modSp mod">
           <pc:chgData name="Gillett, Richard" userId="f751afb3-89ee-4adb-bf46-b352b62550b4" providerId="ADAL" clId="{E1DC7D8A-5337-4AAE-9935-D0A80B248513}" dt="2026-01-13T09:37:49.877" v="1013" actId="1035"/>
           <pc:sldLayoutMkLst>
@@ -1057,15 +1091,6 @@
               <ac:picMk id="30" creationId="{11D4B853-1ADD-0145-DAD2-521BC0A43308}"/>
             </ac:picMkLst>
           </pc:picChg>
-          <pc:picChg chg="add del mod ord modCrop">
-            <ac:chgData name="Gillett, Richard" userId="f751afb3-89ee-4adb-bf46-b352b62550b4" providerId="ADAL" clId="{E1DC7D8A-5337-4AAE-9935-D0A80B248513}" dt="2026-01-10T14:19:20.284" v="873" actId="962"/>
-            <ac:picMkLst>
-              <pc:docMk/>
-              <pc:sldMasterMk cId="2640799190" sldId="2147483660"/>
-              <pc:sldLayoutMk cId="1363397331" sldId="2147483661"/>
-              <ac:picMk id="53" creationId="{02E5031A-50D3-880E-59DE-415DAA829CAC}"/>
-            </ac:picMkLst>
-          </pc:picChg>
           <pc:picChg chg="mod">
             <ac:chgData name="Gillett, Richard" userId="f751afb3-89ee-4adb-bf46-b352b62550b4" providerId="ADAL" clId="{E1DC7D8A-5337-4AAE-9935-D0A80B248513}" dt="2026-01-11T11:57:10.271" v="901" actId="1076"/>
             <ac:picMkLst>
@@ -1261,6 +1286,36 @@
           <a:chExt cx="0" cy="0"/>
         </a:xfrm>
       </p:grpSpPr>
+      <p:pic>
+        <p:nvPicPr>
+          <p:cNvPr id="6" name="Picture 5" descr="A human heart with veins and arteries&#10;&#10;AI-generated content may be incorrect.">
+            <a:extLst>
+              <a:ext uri="{FF2B5EF4-FFF2-40B4-BE49-F238E27FC236}">
+                <a16:creationId xmlns:a16="http://schemas.microsoft.com/office/drawing/2014/main" id="{5F294ACB-2AAB-53EB-3D12-B7F8668F3ED8}"/>
+              </a:ext>
+            </a:extLst>
+          </p:cNvPr>
+          <p:cNvPicPr>
+            <a:picLocks noChangeAspect="1"/>
+          </p:cNvPicPr>
+          <p:nvPr userDrawn="1"/>
+        </p:nvPicPr>
+        <p:blipFill>
+          <a:blip r:embed="rId2"/>
+          <a:stretch>
+            <a:fillRect/>
+          </a:stretch>
+        </p:blipFill>
+        <p:spPr>
+          <a:xfrm>
+            <a:off x="1863278" y="3332219"/>
+            <a:ext cx="3389196" cy="5083795"/>
+          </a:xfrm>
+          <a:prstGeom prst="rect">
+            <a:avLst/>
+          </a:prstGeom>
+        </p:spPr>
+      </p:pic>
       <p:cxnSp>
         <p:nvCxnSpPr>
           <p:cNvPr id="4" name="steth_stem">
@@ -1647,63 +1702,6 @@
       </p:sp>
       <p:pic>
         <p:nvPicPr>
-          <p:cNvPr id="53" name="pic_heart" descr="A diagram of a human heart">
-            <a:extLst>
-              <a:ext uri="{FF2B5EF4-FFF2-40B4-BE49-F238E27FC236}">
-                <a16:creationId xmlns:a16="http://schemas.microsoft.com/office/drawing/2014/main" id="{02E5031A-50D3-880E-59DE-415DAA829CAC}"/>
-              </a:ext>
-            </a:extLst>
-          </p:cNvPr>
-          <p:cNvPicPr>
-            <a:picLocks noChangeAspect="1"/>
-          </p:cNvPicPr>
-          <p:nvPr userDrawn="1"/>
-        </p:nvPicPr>
-        <p:blipFill>
-          <a:blip r:embed="rId2" cstate="hqprint">
-            <a:clrChange>
-              <a:clrFrom>
-                <a:srgbClr val="E8F2F3"/>
-              </a:clrFrom>
-              <a:clrTo>
-                <a:srgbClr val="E8F2F3">
-                  <a:alpha val="0"/>
-                </a:srgbClr>
-              </a:clrTo>
-            </a:clrChange>
-            <a:extLst>
-              <a:ext uri="{BEBA8EAE-BF5A-486C-A8C5-ECC9F3942E4B}">
-                <a14:imgProps xmlns:a14="http://schemas.microsoft.com/office/drawing/2010/main">
-                  <a14:imgLayer r:embed="rId3">
-                    <a14:imgEffect>
-                      <a14:backgroundRemoval t="0" b="95103" l="0" r="100000">
-                        <a14:foregroundMark x1="78925" y1="95261" x2="78925" y2="95261"/>
-                        <a14:foregroundMark x1="61505" y1="94155" x2="75914" y2="79779"/>
-                      </a14:backgroundRemoval>
-                    </a14:imgEffect>
-                  </a14:imgLayer>
-                </a14:imgProps>
-              </a:ext>
-              <a:ext uri="{28A0092B-C50C-407E-A947-70E740481C1C}">
-                <a14:useLocalDpi xmlns:a14="http://schemas.microsoft.com/office/drawing/2010/main"/>
-              </a:ext>
-            </a:extLst>
-          </a:blip>
-          <a:srcRect/>
-          <a:stretch/>
-        </p:blipFill>
-        <p:spPr>
-          <a:xfrm>
-            <a:off x="2078662" y="3596758"/>
-            <a:ext cx="2852498" cy="3888495"/>
-          </a:xfrm>
-          <a:prstGeom prst="rect">
-            <a:avLst/>
-          </a:prstGeom>
-        </p:spPr>
-      </p:pic>
-      <p:pic>
-        <p:nvPicPr>
           <p:cNvPr id="23" name="pic_mort">
             <a:extLst>
               <a:ext uri="{FF2B5EF4-FFF2-40B4-BE49-F238E27FC236}">
@@ -1717,7 +1715,7 @@
           <p:nvPr userDrawn="1"/>
         </p:nvPicPr>
         <p:blipFill>
-          <a:blip r:embed="rId4"/>
+          <a:blip r:embed="rId3"/>
           <a:stretch>
             <a:fillRect/>
           </a:stretch>
@@ -1747,11 +1745,11 @@
           <p:nvPr userDrawn="1"/>
         </p:nvPicPr>
         <p:blipFill>
-          <a:blip r:embed="rId5" cstate="hqprint">
+          <a:blip r:embed="rId4" cstate="screen">
             <a:extLst>
               <a:ext uri="{BEBA8EAE-BF5A-486C-A8C5-ECC9F3942E4B}">
                 <a14:imgProps xmlns:a14="http://schemas.microsoft.com/office/drawing/2010/main">
-                  <a14:imgLayer r:embed="rId6">
+                  <a14:imgLayer r:embed="rId5">
                     <a14:imgEffect>
                       <a14:backgroundRemoval t="10000" b="90000" l="10000" r="90000"/>
                     </a14:imgEffect>
@@ -1792,7 +1790,7 @@
           <p:nvPr userDrawn="1"/>
         </p:nvPicPr>
         <p:blipFill>
-          <a:blip r:embed="rId7" cstate="print">
+          <a:blip r:embed="rId6" cstate="screen">
             <a:extLst>
               <a:ext uri="{28A0092B-C50C-407E-A947-70E740481C1C}">
                 <a14:useLocalDpi xmlns:a14="http://schemas.microsoft.com/office/drawing/2010/main"/>
@@ -1828,7 +1826,7 @@
           <p:nvPr userDrawn="1"/>
         </p:nvPicPr>
         <p:blipFill>
-          <a:blip r:embed="rId8" cstate="hqprint">
+          <a:blip r:embed="rId7" cstate="screen">
             <a:extLst>
               <a:ext uri="{28A0092B-C50C-407E-A947-70E740481C1C}">
                 <a14:useLocalDpi xmlns:a14="http://schemas.microsoft.com/office/drawing/2010/main"/>
@@ -1875,11 +1873,11 @@
           <p:nvPr userDrawn="1"/>
         </p:nvPicPr>
         <p:blipFill>
-          <a:blip r:embed="rId9" cstate="hqprint">
+          <a:blip r:embed="rId8" cstate="screen">
             <a:extLst>
               <a:ext uri="{BEBA8EAE-BF5A-486C-A8C5-ECC9F3942E4B}">
                 <a14:imgProps xmlns:a14="http://schemas.microsoft.com/office/drawing/2010/main">
-                  <a14:imgLayer r:embed="rId10">
+                  <a14:imgLayer r:embed="rId9">
                     <a14:imgEffect>
                       <a14:backgroundRemoval t="9020" b="95686" l="10000" r="89767">
                         <a14:foregroundMark x1="28837" y1="9804" x2="44651" y2="9804"/>
@@ -1957,7 +1955,7 @@
       </p:sp>
       <p:sp>
         <p:nvSpPr>
-          <p:cNvPr id="38" name="ph_postop_critical_care">
+          <p:cNvPr id="38" name="ph_disch_meds_dapt">
             <a:extLst>
               <a:ext uri="{FF2B5EF4-FFF2-40B4-BE49-F238E27FC236}">
                 <a16:creationId xmlns:a16="http://schemas.microsoft.com/office/drawing/2014/main" id="{D56FA25C-826C-AEF5-957C-F09DBE615CC2}"/>
@@ -2183,29 +2181,25 @@
         </p:nvSpPr>
         <p:spPr>
           <a:xfrm>
-            <a:off x="65965" y="1810413"/>
-            <a:ext cx="1058500" cy="639646"/>
+            <a:off x="216695" y="1562072"/>
+            <a:ext cx="1979497" cy="344012"/>
           </a:xfrm>
           <a:prstGeom prst="roundRect">
             <a:avLst/>
           </a:prstGeom>
-          <a:solidFill>
-            <a:srgbClr val="942260"/>
-          </a:solidFill>
+          <a:noFill/>
           <a:ln>
-            <a:solidFill>
-              <a:srgbClr val="551B3C"/>
-            </a:solidFill>
+            <a:noFill/>
           </a:ln>
         </p:spPr>
         <p:txBody>
-          <a:bodyPr anchor="b" anchorCtr="0"/>
+          <a:bodyPr anchor="ctr" anchorCtr="0"/>
           <a:lstStyle>
-            <a:lvl1pPr marL="0" indent="0" algn="ctr">
+            <a:lvl1pPr marL="0" indent="0" algn="l">
               <a:buNone/>
               <a:defRPr sz="1100">
                 <a:solidFill>
-                  <a:schemeClr val="bg1"/>
+                  <a:srgbClr val="942260"/>
                 </a:solidFill>
               </a:defRPr>
             </a:lvl1pPr>
@@ -2527,7 +2521,7 @@
       </p:sp>
       <p:sp>
         <p:nvSpPr>
-          <p:cNvPr id="49" name="ph_postop_critical_care_pct">
+          <p:cNvPr id="49" name="ph_disch_meds_dapt_pct">
             <a:extLst>
               <a:ext uri="{FF2B5EF4-FFF2-40B4-BE49-F238E27FC236}">
                 <a16:creationId xmlns:a16="http://schemas.microsoft.com/office/drawing/2014/main" id="{1FE6F18A-7157-4F0B-5E13-82B5E30007F4}"/>
@@ -3012,7 +3006,7 @@
           <p:nvPr userDrawn="1"/>
         </p:nvPicPr>
         <p:blipFill>
-          <a:blip r:embed="rId11" cstate="hqprint">
+          <a:blip r:embed="rId10" cstate="screen">
             <a:extLst>
               <a:ext uri="{28A0092B-C50C-407E-A947-70E740481C1C}">
                 <a14:useLocalDpi xmlns:a14="http://schemas.microsoft.com/office/drawing/2010/main"/>
@@ -3048,7 +3042,7 @@
           <p:nvPr userDrawn="1"/>
         </p:nvPicPr>
         <p:blipFill>
-          <a:blip r:embed="rId12" cstate="hqprint">
+          <a:blip r:embed="rId11" cstate="screen">
             <a:clrChange>
               <a:clrFrom>
                 <a:srgbClr val="FFFFFF"/>
@@ -3064,7 +3058,7 @@
                 <a14:useLocalDpi xmlns:a14="http://schemas.microsoft.com/office/drawing/2010/main"/>
               </a:ext>
               <a:ext uri="{837473B0-CC2E-450A-ABE3-18F120FF3D39}">
-                <a1611:picAttrSrcUrl xmlns:a1611="http://schemas.microsoft.com/office/drawing/2016/11/main" r:id="rId13"/>
+                <a1611:picAttrSrcUrl xmlns:a1611="http://schemas.microsoft.com/office/drawing/2016/11/main" r:id="rId12"/>
               </a:ext>
             </a:extLst>
           </a:blip>
@@ -3380,82 +3374,6 @@
           </a:p>
         </p:txBody>
       </p:sp>
-      <p:pic>
-        <p:nvPicPr>
-          <p:cNvPr id="4" name="Picture 3" descr="A logo with a heart and pulse line&#10;&#10;AI-generated content may be incorrect.">
-            <a:extLst>
-              <a:ext uri="{FF2B5EF4-FFF2-40B4-BE49-F238E27FC236}">
-                <a16:creationId xmlns:a16="http://schemas.microsoft.com/office/drawing/2014/main" id="{51E7BF01-DAA0-96B3-CBE2-33C489A3AC33}"/>
-              </a:ext>
-            </a:extLst>
-          </p:cNvPr>
-          <p:cNvPicPr>
-            <a:picLocks noChangeAspect="1"/>
-          </p:cNvPicPr>
-          <p:nvPr userDrawn="1"/>
-        </p:nvPicPr>
-        <p:blipFill>
-          <a:blip r:embed="rId3" cstate="hqprint">
-            <a:clrChange>
-              <a:clrFrom>
-                <a:srgbClr val="FCFCFC"/>
-              </a:clrFrom>
-              <a:clrTo>
-                <a:srgbClr val="FCFCFC">
-                  <a:alpha val="0"/>
-                </a:srgbClr>
-              </a:clrTo>
-            </a:clrChange>
-            <a:extLst>
-              <a:ext uri="{BEBA8EAE-BF5A-486C-A8C5-ECC9F3942E4B}">
-                <a14:imgProps xmlns:a14="http://schemas.microsoft.com/office/drawing/2010/main">
-                  <a14:imgLayer r:embed="rId4">
-                    <a14:imgEffect>
-                      <a14:backgroundRemoval t="20443" b="79492" l="28658" r="72053">
-                        <a14:foregroundMark x1="41726" y1="24284" x2="54865" y2="20833"/>
-                        <a14:foregroundMark x1="54865" y1="20833" x2="59162" y2="39063"/>
-                        <a14:foregroundMark x1="41726" y1="22070" x2="48722" y2="22005"/>
-                        <a14:foregroundMark x1="42401" y1="22331" x2="47408" y2="20898"/>
-                        <a14:foregroundMark x1="33984" y1="61523" x2="34695" y2="71419"/>
-                        <a14:foregroundMark x1="33700" y1="62370" x2="30149" y2="60026"/>
-                        <a14:foregroundMark x1="29403" y1="64583" x2="29403" y2="69792"/>
-                        <a14:foregroundMark x1="28693" y1="65885" x2="28764" y2="68815"/>
-                        <a14:foregroundMark x1="37145" y1="62044" x2="37393" y2="73307"/>
-                        <a14:foregroundMark x1="47479" y1="64063" x2="45313" y2="65625"/>
-                        <a14:foregroundMark x1="52912" y1="62695" x2="53764" y2="67253"/>
-                        <a14:foregroundMark x1="57528" y1="62305" x2="56214" y2="65885"/>
-                        <a14:foregroundMark x1="66903" y1="62695" x2="66158" y2="65885"/>
-                        <a14:foregroundMark x1="68537" y1="63997" x2="69176" y2="70573"/>
-                        <a14:foregroundMark x1="70419" y1="69792" x2="71839" y2="73112"/>
-                        <a14:foregroundMark x1="27841" y1="79167" x2="62322" y2="81185"/>
-                        <a14:foregroundMark x1="62322" y1="81185" x2="35831" y2="79557"/>
-                        <a14:foregroundMark x1="35831" y1="79557" x2="72053" y2="78451"/>
-                        <a14:foregroundMark x1="42649" y1="20443" x2="47443" y2="20898"/>
-                        <a14:foregroundMark x1="52379" y1="20573" x2="56854" y2="20638"/>
-                        <a14:foregroundMark x1="52912" y1="20443" x2="57990" y2="21094"/>
-                      </a14:backgroundRemoval>
-                    </a14:imgEffect>
-                  </a14:imgLayer>
-                </a14:imgProps>
-              </a:ext>
-              <a:ext uri="{28A0092B-C50C-407E-A947-70E740481C1C}">
-                <a14:useLocalDpi xmlns:a14="http://schemas.microsoft.com/office/drawing/2010/main"/>
-              </a:ext>
-            </a:extLst>
-          </a:blip>
-          <a:srcRect l="25667" t="16185" r="26222" b="16389"/>
-          <a:stretch/>
-        </p:blipFill>
-        <p:spPr>
-          <a:xfrm>
-            <a:off x="167027" y="169782"/>
-            <a:ext cx="1883746" cy="1440000"/>
-          </a:xfrm>
-          <a:prstGeom prst="rect">
-            <a:avLst/>
-          </a:prstGeom>
-        </p:spPr>
-      </p:pic>
       <p:sp>
         <p:nvSpPr>
           <p:cNvPr id="2" name="Graphic 4926">
@@ -5694,7 +5612,13 @@
             <p:nvPr userDrawn="1"/>
           </p:nvPicPr>
           <p:blipFill>
-            <a:blip r:embed="rId5" cstate="print"/>
+            <a:blip r:embed="rId3" cstate="screen">
+              <a:extLst>
+                <a:ext uri="{28A0092B-C50C-407E-A947-70E740481C1C}">
+                  <a14:useLocalDpi xmlns:a14="http://schemas.microsoft.com/office/drawing/2010/main"/>
+                </a:ext>
+              </a:extLst>
+            </a:blip>
             <a:stretch>
               <a:fillRect/>
             </a:stretch>
@@ -6242,7 +6166,13 @@
             <p:nvPr userDrawn="1"/>
           </p:nvPicPr>
           <p:blipFill>
-            <a:blip r:embed="rId6" cstate="print"/>
+            <a:blip r:embed="rId4" cstate="screen">
+              <a:extLst>
+                <a:ext uri="{28A0092B-C50C-407E-A947-70E740481C1C}">
+                  <a14:useLocalDpi xmlns:a14="http://schemas.microsoft.com/office/drawing/2010/main"/>
+                </a:ext>
+              </a:extLst>
+            </a:blip>
             <a:stretch>
               <a:fillRect/>
             </a:stretch>
@@ -6664,6 +6594,124 @@
           </p:txBody>
         </p:sp>
       </p:grpSp>
+      <p:sp>
+        <p:nvSpPr>
+          <p:cNvPr id="15" name="TextBox 14">
+            <a:extLst>
+              <a:ext uri="{FF2B5EF4-FFF2-40B4-BE49-F238E27FC236}">
+                <a16:creationId xmlns:a16="http://schemas.microsoft.com/office/drawing/2014/main" id="{0A8B2BEF-EC4A-AACD-7AC0-27A940353D18}"/>
+              </a:ext>
+            </a:extLst>
+          </p:cNvPr>
+          <p:cNvSpPr txBox="1"/>
+          <p:nvPr userDrawn="1"/>
+        </p:nvSpPr>
+        <p:spPr>
+          <a:xfrm>
+            <a:off x="231102" y="819698"/>
+            <a:ext cx="1891476" cy="677108"/>
+          </a:xfrm>
+          <a:prstGeom prst="rect">
+            <a:avLst/>
+          </a:prstGeom>
+          <a:noFill/>
+        </p:spPr>
+        <p:txBody>
+          <a:bodyPr wrap="square" rtlCol="0">
+            <a:spAutoFit/>
+          </a:bodyPr>
+          <a:lstStyle/>
+          <a:p>
+            <a:r>
+              <a:rPr lang="en-AU" sz="3800" b="1" dirty="0" err="1">
+                <a:solidFill>
+                  <a:srgbClr val="19456A"/>
+                </a:solidFill>
+                <a:latin typeface="Segoe UI" panose="020B0502040204020203" pitchFamily="34" charset="0"/>
+                <a:cs typeface="Segoe UI" panose="020B0502040204020203" pitchFamily="34" charset="0"/>
+              </a:rPr>
+              <a:t>CRoWA</a:t>
+            </a:r>
+            <a:endParaRPr lang="en-AU" sz="3800" b="1" dirty="0">
+              <a:solidFill>
+                <a:srgbClr val="19456A"/>
+              </a:solidFill>
+              <a:latin typeface="Segoe UI" panose="020B0502040204020203" pitchFamily="34" charset="0"/>
+              <a:cs typeface="Segoe UI" panose="020B0502040204020203" pitchFamily="34" charset="0"/>
+            </a:endParaRPr>
+          </a:p>
+        </p:txBody>
+      </p:sp>
+      <p:sp>
+        <p:nvSpPr>
+          <p:cNvPr id="16" name="TextBox 15">
+            <a:extLst>
+              <a:ext uri="{FF2B5EF4-FFF2-40B4-BE49-F238E27FC236}">
+                <a16:creationId xmlns:a16="http://schemas.microsoft.com/office/drawing/2014/main" id="{2AB87B99-53BD-A3E1-EC73-2148133BEA33}"/>
+              </a:ext>
+            </a:extLst>
+          </p:cNvPr>
+          <p:cNvSpPr txBox="1"/>
+          <p:nvPr userDrawn="1"/>
+        </p:nvSpPr>
+        <p:spPr>
+          <a:xfrm>
+            <a:off x="216082" y="1335629"/>
+            <a:ext cx="2011856" cy="215444"/>
+          </a:xfrm>
+          <a:prstGeom prst="rect">
+            <a:avLst/>
+          </a:prstGeom>
+          <a:noFill/>
+        </p:spPr>
+        <p:txBody>
+          <a:bodyPr wrap="square" rtlCol="0">
+            <a:spAutoFit/>
+          </a:bodyPr>
+          <a:lstStyle/>
+          <a:p>
+            <a:r>
+              <a:rPr lang="en-AU" sz="800" b="1" dirty="0">
+                <a:solidFill>
+                  <a:srgbClr val="19456A"/>
+                </a:solidFill>
+                <a:latin typeface="Segoe UI" panose="020B0502040204020203" pitchFamily="34" charset="0"/>
+                <a:cs typeface="Segoe UI" panose="020B0502040204020203" pitchFamily="34" charset="0"/>
+              </a:rPr>
+              <a:t>Cardiac Registry of Western Australia</a:t>
+            </a:r>
+          </a:p>
+        </p:txBody>
+      </p:sp>
+      <p:pic>
+        <p:nvPicPr>
+          <p:cNvPr id="18" name="Picture 17" descr="A heart with a pulse line&#10;&#10;AI-generated content may be incorrect.">
+            <a:extLst>
+              <a:ext uri="{FF2B5EF4-FFF2-40B4-BE49-F238E27FC236}">
+                <a16:creationId xmlns:a16="http://schemas.microsoft.com/office/drawing/2014/main" id="{CA3877DB-6975-A75F-DBFC-236D4FEC401C}"/>
+              </a:ext>
+            </a:extLst>
+          </p:cNvPr>
+          <p:cNvPicPr>
+            <a:picLocks noChangeAspect="1"/>
+          </p:cNvPicPr>
+          <p:nvPr userDrawn="1"/>
+        </p:nvPicPr>
+        <p:blipFill>
+          <a:blip r:embed="rId5"/>
+          <a:srcRect t="6093" b="3989"/>
+          <a:stretch/>
+        </p:blipFill>
+        <p:spPr>
+          <a:xfrm>
+            <a:off x="549275" y="169781"/>
+            <a:ext cx="1119344" cy="800915"/>
+          </a:xfrm>
+          <a:prstGeom prst="rect">
+            <a:avLst/>
+          </a:prstGeom>
+        </p:spPr>
+      </p:pic>
     </p:spTree>
     <p:extLst>
       <p:ext uri="{BB962C8B-B14F-4D97-AF65-F5344CB8AC3E}">

--- a/pci_poster/poster_template.pptx
+++ b/pci_poster/poster_template.pptx
@@ -115,7 +115,7 @@
 <file path=ppt/revisionInfo.xml><?xml version="1.0" encoding="utf-8"?>
 <p1510:revInfo xmlns:a="http://schemas.openxmlformats.org/drawingml/2006/main" xmlns:r="http://schemas.openxmlformats.org/officeDocument/2006/relationships" xmlns:p1510="http://schemas.microsoft.com/office/powerpoint/2015/10/main">
   <p1510:revLst>
-    <p1510:client id="{A5BB3A64-C60C-45E9-BAE7-11B96E1E2D18}" v="84" dt="2026-01-15T01:42:38.423"/>
+    <p1510:client id="{A5BB3A64-C60C-45E9-BAE7-11B96E1E2D18}" v="103" dt="2026-01-20T23:56:46.186"/>
   </p1510:revLst>
 </p1510:revInfo>
 </file>
@@ -125,7 +125,7 @@
   <pc:docChgLst>
     <pc:chgData name="Gillett, Richard" userId="f751afb3-89ee-4adb-bf46-b352b62550b4" providerId="ADAL" clId="{A5BB3A64-C60C-45E9-BAE7-11B96E1E2D18}"/>
     <pc:docChg chg="undo custSel modSld modMainMaster">
-      <pc:chgData name="Gillett, Richard" userId="f751afb3-89ee-4adb-bf46-b352b62550b4" providerId="ADAL" clId="{A5BB3A64-C60C-45E9-BAE7-11B96E1E2D18}" dt="2026-01-15T01:43:24.854" v="403" actId="1038"/>
+      <pc:chgData name="Gillett, Richard" userId="f751afb3-89ee-4adb-bf46-b352b62550b4" providerId="ADAL" clId="{A5BB3A64-C60C-45E9-BAE7-11B96E1E2D18}" dt="2026-01-20T23:56:46.184" v="545" actId="962"/>
       <pc:docMkLst>
         <pc:docMk/>
       </pc:docMkLst>
@@ -177,13 +177,13 @@
         </pc:spChg>
       </pc:sldChg>
       <pc:sldMasterChg chg="addSp delSp modSp mod modSldLayout">
-        <pc:chgData name="Gillett, Richard" userId="f751afb3-89ee-4adb-bf46-b352b62550b4" providerId="ADAL" clId="{A5BB3A64-C60C-45E9-BAE7-11B96E1E2D18}" dt="2026-01-15T01:43:24.854" v="403" actId="1038"/>
+        <pc:chgData name="Gillett, Richard" userId="f751afb3-89ee-4adb-bf46-b352b62550b4" providerId="ADAL" clId="{A5BB3A64-C60C-45E9-BAE7-11B96E1E2D18}" dt="2026-01-20T23:56:46.184" v="545" actId="962"/>
         <pc:sldMasterMkLst>
           <pc:docMk/>
           <pc:sldMasterMk cId="2640799190" sldId="2147483660"/>
         </pc:sldMasterMkLst>
         <pc:spChg chg="add mod">
-          <ac:chgData name="Gillett, Richard" userId="f751afb3-89ee-4adb-bf46-b352b62550b4" providerId="ADAL" clId="{A5BB3A64-C60C-45E9-BAE7-11B96E1E2D18}" dt="2026-01-14T04:51:59.236" v="144" actId="1035"/>
+          <ac:chgData name="Gillett, Richard" userId="f751afb3-89ee-4adb-bf46-b352b62550b4" providerId="ADAL" clId="{A5BB3A64-C60C-45E9-BAE7-11B96E1E2D18}" dt="2026-01-20T23:46:41.004" v="450" actId="1037"/>
           <ac:spMkLst>
             <pc:docMk/>
             <pc:sldMasterMk cId="2640799190" sldId="2147483660"/>
@@ -263,21 +263,13 @@
           </ac:spMkLst>
         </pc:spChg>
         <pc:grpChg chg="mod">
-          <ac:chgData name="Gillett, Richard" userId="f751afb3-89ee-4adb-bf46-b352b62550b4" providerId="ADAL" clId="{A5BB3A64-C60C-45E9-BAE7-11B96E1E2D18}" dt="2026-01-14T04:51:59.236" v="144" actId="1035"/>
+          <ac:chgData name="Gillett, Richard" userId="f751afb3-89ee-4adb-bf46-b352b62550b4" providerId="ADAL" clId="{A5BB3A64-C60C-45E9-BAE7-11B96E1E2D18}" dt="2026-01-20T23:46:41.004" v="450" actId="1037"/>
           <ac:grpSpMkLst>
             <pc:docMk/>
             <pc:sldMasterMk cId="2640799190" sldId="2147483660"/>
             <ac:grpSpMk id="3" creationId="{8DD6D3AA-4BA7-8A63-733C-C14EAA9FDEB7}"/>
           </ac:grpSpMkLst>
         </pc:grpChg>
-        <pc:picChg chg="del mod modCrop">
-          <ac:chgData name="Gillett, Richard" userId="f751afb3-89ee-4adb-bf46-b352b62550b4" providerId="ADAL" clId="{A5BB3A64-C60C-45E9-BAE7-11B96E1E2D18}" dt="2026-01-14T12:52:46.947" v="358" actId="478"/>
-          <ac:picMkLst>
-            <pc:docMk/>
-            <pc:sldMasterMk cId="2640799190" sldId="2147483660"/>
-            <ac:picMk id="4" creationId="{51E7BF01-DAA0-96B3-CBE2-33C489A3AC33}"/>
-          </ac:picMkLst>
-        </pc:picChg>
         <pc:picChg chg="add mod">
           <ac:chgData name="Gillett, Richard" userId="f751afb3-89ee-4adb-bf46-b352b62550b4" providerId="ADAL" clId="{A5BB3A64-C60C-45E9-BAE7-11B96E1E2D18}" dt="2026-01-14T04:49:02.755" v="62"/>
           <ac:picMkLst>
@@ -302,16 +294,8 @@
             <ac:picMk id="18" creationId="{CA3877DB-6975-A75F-DBFC-236D4FEC401C}"/>
           </ac:picMkLst>
         </pc:picChg>
-        <pc:picChg chg="del">
-          <ac:chgData name="Gillett, Richard" userId="f751afb3-89ee-4adb-bf46-b352b62550b4" providerId="ADAL" clId="{A5BB3A64-C60C-45E9-BAE7-11B96E1E2D18}" dt="2026-01-14T04:49:34.833" v="69" actId="478"/>
-          <ac:picMkLst>
-            <pc:docMk/>
-            <pc:sldMasterMk cId="2640799190" sldId="2147483660"/>
-            <ac:picMk id="1026" creationId="{950F8600-D76B-F4BC-D083-131E82D37775}"/>
-          </ac:picMkLst>
-        </pc:picChg>
         <pc:sldLayoutChg chg="addSp delSp modSp mod">
-          <pc:chgData name="Gillett, Richard" userId="f751afb3-89ee-4adb-bf46-b352b62550b4" providerId="ADAL" clId="{A5BB3A64-C60C-45E9-BAE7-11B96E1E2D18}" dt="2026-01-15T01:43:24.854" v="403" actId="1038"/>
+          <pc:chgData name="Gillett, Richard" userId="f751afb3-89ee-4adb-bf46-b352b62550b4" providerId="ADAL" clId="{A5BB3A64-C60C-45E9-BAE7-11B96E1E2D18}" dt="2026-01-20T23:56:46.184" v="545" actId="962"/>
           <pc:sldLayoutMkLst>
             <pc:docMk/>
             <pc:sldMasterMk cId="2640799190" sldId="2147483660"/>
@@ -326,17 +310,17 @@
               <ac:spMk id="2" creationId="{4EA715C1-D099-5522-9B8D-6FE225FA3DB4}"/>
             </ac:spMkLst>
           </pc:spChg>
-          <pc:spChg chg="add del mod">
-            <ac:chgData name="Gillett, Richard" userId="f751afb3-89ee-4adb-bf46-b352b62550b4" providerId="ADAL" clId="{A5BB3A64-C60C-45E9-BAE7-11B96E1E2D18}" dt="2026-01-14T09:53:55.812" v="213" actId="478"/>
+          <pc:spChg chg="add mod">
+            <ac:chgData name="Gillett, Richard" userId="f751afb3-89ee-4adb-bf46-b352b62550b4" providerId="ADAL" clId="{A5BB3A64-C60C-45E9-BAE7-11B96E1E2D18}" dt="2026-01-20T23:56:46.184" v="545" actId="962"/>
             <ac:spMkLst>
               <pc:docMk/>
               <pc:sldMasterMk cId="2640799190" sldId="2147483660"/>
               <pc:sldLayoutMk cId="1363397331" sldId="2147483661"/>
-              <ac:spMk id="5" creationId="{BC9ACC09-72D2-F111-D0CD-9876D08F6412}"/>
+              <ac:spMk id="5" creationId="{C71ECDB7-514B-3457-61EC-0EDD81FFB2F9}"/>
             </ac:spMkLst>
           </pc:spChg>
           <pc:spChg chg="mod">
-            <ac:chgData name="Gillett, Richard" userId="f751afb3-89ee-4adb-bf46-b352b62550b4" providerId="ADAL" clId="{A5BB3A64-C60C-45E9-BAE7-11B96E1E2D18}" dt="2026-01-14T04:46:38.410" v="60" actId="1076"/>
+            <ac:chgData name="Gillett, Richard" userId="f751afb3-89ee-4adb-bf46-b352b62550b4" providerId="ADAL" clId="{A5BB3A64-C60C-45E9-BAE7-11B96E1E2D18}" dt="2026-01-20T23:50:54.556" v="524" actId="1038"/>
             <ac:spMkLst>
               <pc:docMk/>
               <pc:sldMasterMk cId="2640799190" sldId="2147483660"/>
@@ -345,7 +329,7 @@
             </ac:spMkLst>
           </pc:spChg>
           <pc:spChg chg="mod">
-            <ac:chgData name="Gillett, Richard" userId="f751afb3-89ee-4adb-bf46-b352b62550b4" providerId="ADAL" clId="{A5BB3A64-C60C-45E9-BAE7-11B96E1E2D18}" dt="2026-01-14T04:43:14.725" v="15" actId="1037"/>
+            <ac:chgData name="Gillett, Richard" userId="f751afb3-89ee-4adb-bf46-b352b62550b4" providerId="ADAL" clId="{A5BB3A64-C60C-45E9-BAE7-11B96E1E2D18}" dt="2026-01-20T23:50:49.283" v="512" actId="1037"/>
             <ac:spMkLst>
               <pc:docMk/>
               <pc:sldMasterMk cId="2640799190" sldId="2147483660"/>
@@ -363,7 +347,16 @@
             </ac:spMkLst>
           </pc:spChg>
           <pc:spChg chg="mod">
-            <ac:chgData name="Gillett, Richard" userId="f751afb3-89ee-4adb-bf46-b352b62550b4" providerId="ADAL" clId="{A5BB3A64-C60C-45E9-BAE7-11B96E1E2D18}" dt="2026-01-14T12:29:47.026" v="253" actId="962"/>
+            <ac:chgData name="Gillett, Richard" userId="f751afb3-89ee-4adb-bf46-b352b62550b4" providerId="ADAL" clId="{A5BB3A64-C60C-45E9-BAE7-11B96E1E2D18}" dt="2026-01-20T23:51:06.490" v="544" actId="1038"/>
+            <ac:spMkLst>
+              <pc:docMk/>
+              <pc:sldMasterMk cId="2640799190" sldId="2147483660"/>
+              <pc:sldLayoutMk cId="1363397331" sldId="2147483661"/>
+              <ac:spMk id="37" creationId="{814A0012-CF31-67AE-4E97-AA42CBE2A6AE}"/>
+            </ac:spMkLst>
+          </pc:spChg>
+          <pc:spChg chg="mod">
+            <ac:chgData name="Gillett, Richard" userId="f751afb3-89ee-4adb-bf46-b352b62550b4" providerId="ADAL" clId="{A5BB3A64-C60C-45E9-BAE7-11B96E1E2D18}" dt="2026-01-20T23:50:49.283" v="512" actId="1037"/>
             <ac:spMkLst>
               <pc:docMk/>
               <pc:sldMasterMk cId="2640799190" sldId="2147483660"/>
@@ -372,7 +365,16 @@
             </ac:spMkLst>
           </pc:spChg>
           <pc:spChg chg="mod">
-            <ac:chgData name="Gillett, Richard" userId="f751afb3-89ee-4adb-bf46-b352b62550b4" providerId="ADAL" clId="{A5BB3A64-C60C-45E9-BAE7-11B96E1E2D18}" dt="2026-01-14T04:43:46.171" v="20" actId="1076"/>
+            <ac:chgData name="Gillett, Richard" userId="f751afb3-89ee-4adb-bf46-b352b62550b4" providerId="ADAL" clId="{A5BB3A64-C60C-45E9-BAE7-11B96E1E2D18}" dt="2026-01-20T23:51:03.260" v="541" actId="1037"/>
+            <ac:spMkLst>
+              <pc:docMk/>
+              <pc:sldMasterMk cId="2640799190" sldId="2147483660"/>
+              <pc:sldLayoutMk cId="1363397331" sldId="2147483661"/>
+              <ac:spMk id="39" creationId="{2BD6D79E-3784-39A1-5BE0-598EDD61CF3D}"/>
+            </ac:spMkLst>
+          </pc:spChg>
+          <pc:spChg chg="mod">
+            <ac:chgData name="Gillett, Richard" userId="f751afb3-89ee-4adb-bf46-b352b62550b4" providerId="ADAL" clId="{A5BB3A64-C60C-45E9-BAE7-11B96E1E2D18}" dt="2026-01-20T23:47:26.475" v="451" actId="255"/>
             <ac:spMkLst>
               <pc:docMk/>
               <pc:sldMasterMk cId="2640799190" sldId="2147483660"/>
@@ -381,7 +383,7 @@
             </ac:spMkLst>
           </pc:spChg>
           <pc:spChg chg="mod">
-            <ac:chgData name="Gillett, Richard" userId="f751afb3-89ee-4adb-bf46-b352b62550b4" providerId="ADAL" clId="{A5BB3A64-C60C-45E9-BAE7-11B96E1E2D18}" dt="2026-01-14T04:45:15.163" v="49" actId="14100"/>
+            <ac:chgData name="Gillett, Richard" userId="f751afb3-89ee-4adb-bf46-b352b62550b4" providerId="ADAL" clId="{A5BB3A64-C60C-45E9-BAE7-11B96E1E2D18}" dt="2026-01-20T23:47:26.475" v="451" actId="255"/>
             <ac:spMkLst>
               <pc:docMk/>
               <pc:sldMasterMk cId="2640799190" sldId="2147483660"/>
@@ -390,7 +392,7 @@
             </ac:spMkLst>
           </pc:spChg>
           <pc:spChg chg="mod">
-            <ac:chgData name="Gillett, Richard" userId="f751afb3-89ee-4adb-bf46-b352b62550b4" providerId="ADAL" clId="{A5BB3A64-C60C-45E9-BAE7-11B96E1E2D18}" dt="2026-01-14T04:46:38.410" v="60" actId="1076"/>
+            <ac:chgData name="Gillett, Richard" userId="f751afb3-89ee-4adb-bf46-b352b62550b4" providerId="ADAL" clId="{A5BB3A64-C60C-45E9-BAE7-11B96E1E2D18}" dt="2026-01-20T23:50:54.556" v="524" actId="1038"/>
             <ac:spMkLst>
               <pc:docMk/>
               <pc:sldMasterMk cId="2640799190" sldId="2147483660"/>
@@ -408,7 +410,7 @@
             </ac:spMkLst>
           </pc:spChg>
           <pc:spChg chg="mod">
-            <ac:chgData name="Gillett, Richard" userId="f751afb3-89ee-4adb-bf46-b352b62550b4" providerId="ADAL" clId="{A5BB3A64-C60C-45E9-BAE7-11B96E1E2D18}" dt="2026-01-14T04:46:52.401" v="61" actId="14100"/>
+            <ac:chgData name="Gillett, Richard" userId="f751afb3-89ee-4adb-bf46-b352b62550b4" providerId="ADAL" clId="{A5BB3A64-C60C-45E9-BAE7-11B96E1E2D18}" dt="2026-01-20T23:46:31.115" v="434" actId="1037"/>
             <ac:spMkLst>
               <pc:docMk/>
               <pc:sldMasterMk cId="2640799190" sldId="2147483660"/>
@@ -426,6 +428,15 @@
             </ac:spMkLst>
           </pc:spChg>
           <pc:spChg chg="mod">
+            <ac:chgData name="Gillett, Richard" userId="f751afb3-89ee-4adb-bf46-b352b62550b4" providerId="ADAL" clId="{A5BB3A64-C60C-45E9-BAE7-11B96E1E2D18}" dt="2026-01-20T23:50:00.509" v="479" actId="6549"/>
+            <ac:spMkLst>
+              <pc:docMk/>
+              <pc:sldMasterMk cId="2640799190" sldId="2147483660"/>
+              <pc:sldLayoutMk cId="1363397331" sldId="2147483661"/>
+              <ac:spMk id="46" creationId="{6C6C5E27-B920-6468-D3D0-CF1BF1645A0B}"/>
+            </ac:spMkLst>
+          </pc:spChg>
+          <pc:spChg chg="mod">
             <ac:chgData name="Gillett, Richard" userId="f751afb3-89ee-4adb-bf46-b352b62550b4" providerId="ADAL" clId="{A5BB3A64-C60C-45E9-BAE7-11B96E1E2D18}" dt="2026-01-14T04:44:57.124" v="46" actId="1076"/>
             <ac:spMkLst>
               <pc:docMk/>
@@ -435,7 +446,7 @@
             </ac:spMkLst>
           </pc:spChg>
           <pc:spChg chg="mod">
-            <ac:chgData name="Gillett, Richard" userId="f751afb3-89ee-4adb-bf46-b352b62550b4" providerId="ADAL" clId="{A5BB3A64-C60C-45E9-BAE7-11B96E1E2D18}" dt="2026-01-14T12:29:47.026" v="253" actId="962"/>
+            <ac:chgData name="Gillett, Richard" userId="f751afb3-89ee-4adb-bf46-b352b62550b4" providerId="ADAL" clId="{A5BB3A64-C60C-45E9-BAE7-11B96E1E2D18}" dt="2026-01-20T23:50:49.283" v="512" actId="1037"/>
             <ac:spMkLst>
               <pc:docMk/>
               <pc:sldMasterMk cId="2640799190" sldId="2147483660"/>
@@ -444,7 +455,7 @@
             </ac:spMkLst>
           </pc:spChg>
           <pc:spChg chg="mod">
-            <ac:chgData name="Gillett, Richard" userId="f751afb3-89ee-4adb-bf46-b352b62550b4" providerId="ADAL" clId="{A5BB3A64-C60C-45E9-BAE7-11B96E1E2D18}" dt="2026-01-14T04:46:38.410" v="60" actId="1076"/>
+            <ac:chgData name="Gillett, Richard" userId="f751afb3-89ee-4adb-bf46-b352b62550b4" providerId="ADAL" clId="{A5BB3A64-C60C-45E9-BAE7-11B96E1E2D18}" dt="2026-01-20T23:50:54.556" v="524" actId="1038"/>
             <ac:spMkLst>
               <pc:docMk/>
               <pc:sldMasterMk cId="2640799190" sldId="2147483660"/>
@@ -462,21 +473,12 @@
             </ac:picMkLst>
           </pc:picChg>
           <pc:picChg chg="add mod ord">
-            <ac:chgData name="Gillett, Richard" userId="f751afb3-89ee-4adb-bf46-b352b62550b4" providerId="ADAL" clId="{A5BB3A64-C60C-45E9-BAE7-11B96E1E2D18}" dt="2026-01-15T01:43:24.854" v="403" actId="1038"/>
+            <ac:chgData name="Gillett, Richard" userId="f751afb3-89ee-4adb-bf46-b352b62550b4" providerId="ADAL" clId="{A5BB3A64-C60C-45E9-BAE7-11B96E1E2D18}" dt="2026-01-20T23:50:43.648" v="502" actId="14100"/>
             <ac:picMkLst>
               <pc:docMk/>
               <pc:sldMasterMk cId="2640799190" sldId="2147483660"/>
               <pc:sldLayoutMk cId="1363397331" sldId="2147483661"/>
               <ac:picMk id="6" creationId="{5F294ACB-2AAB-53EB-3D12-B7F8668F3ED8}"/>
-            </ac:picMkLst>
-          </pc:picChg>
-          <pc:picChg chg="del">
-            <ac:chgData name="Gillett, Richard" userId="f751afb3-89ee-4adb-bf46-b352b62550b4" providerId="ADAL" clId="{A5BB3A64-C60C-45E9-BAE7-11B96E1E2D18}" dt="2026-01-15T01:42:36.167" v="370" actId="478"/>
-            <ac:picMkLst>
-              <pc:docMk/>
-              <pc:sldMasterMk cId="2640799190" sldId="2147483660"/>
-              <pc:sldLayoutMk cId="1363397331" sldId="2147483661"/>
-              <ac:picMk id="53" creationId="{02E5031A-50D3-880E-59DE-415DAA829CAC}"/>
             </ac:picMkLst>
           </pc:picChg>
           <pc:picChg chg="mod">
@@ -489,7 +491,7 @@
             </ac:picMkLst>
           </pc:picChg>
           <pc:picChg chg="mod">
-            <ac:chgData name="Gillett, Richard" userId="f751afb3-89ee-4adb-bf46-b352b62550b4" providerId="ADAL" clId="{A5BB3A64-C60C-45E9-BAE7-11B96E1E2D18}" dt="2026-01-14T04:46:38.410" v="60" actId="1076"/>
+            <ac:chgData name="Gillett, Richard" userId="f751afb3-89ee-4adb-bf46-b352b62550b4" providerId="ADAL" clId="{A5BB3A64-C60C-45E9-BAE7-11B96E1E2D18}" dt="2026-01-20T23:50:54.556" v="524" actId="1038"/>
             <ac:picMkLst>
               <pc:docMk/>
               <pc:sldMasterMk cId="2640799190" sldId="2147483660"/>
@@ -498,7 +500,7 @@
             </ac:picMkLst>
           </pc:picChg>
           <pc:picChg chg="mod">
-            <ac:chgData name="Gillett, Richard" userId="f751afb3-89ee-4adb-bf46-b352b62550b4" providerId="ADAL" clId="{A5BB3A64-C60C-45E9-BAE7-11B96E1E2D18}" dt="2026-01-14T04:43:14.725" v="15" actId="1037"/>
+            <ac:chgData name="Gillett, Richard" userId="f751afb3-89ee-4adb-bf46-b352b62550b4" providerId="ADAL" clId="{A5BB3A64-C60C-45E9-BAE7-11B96E1E2D18}" dt="2026-01-20T23:50:49.283" v="512" actId="1037"/>
             <ac:picMkLst>
               <pc:docMk/>
               <pc:sldMasterMk cId="2640799190" sldId="2147483660"/>
@@ -1309,7 +1311,7 @@
         <p:spPr>
           <a:xfrm>
             <a:off x="1863278" y="3332219"/>
-            <a:ext cx="3389196" cy="5083795"/>
+            <a:ext cx="3312000" cy="4968001"/>
           </a:xfrm>
           <a:prstGeom prst="rect">
             <a:avLst/>
@@ -1375,7 +1377,7 @@
         </p:nvSpPr>
         <p:spPr>
           <a:xfrm>
-            <a:off x="1873543" y="7049420"/>
+            <a:off x="2034184" y="7049420"/>
             <a:ext cx="900000" cy="900000"/>
           </a:xfrm>
           <a:prstGeom prst="ellipse">
@@ -1602,7 +1604,7 @@
         </p:nvSpPr>
         <p:spPr>
           <a:xfrm>
-            <a:off x="4598941" y="7167914"/>
+            <a:off x="4463014" y="7167914"/>
             <a:ext cx="900000" cy="900000"/>
           </a:xfrm>
           <a:prstGeom prst="ellipse">
@@ -1840,7 +1842,7 @@
         </p:blipFill>
         <p:spPr bwMode="auto">
           <a:xfrm>
-            <a:off x="4757433" y="7274883"/>
+            <a:off x="4621506" y="7274883"/>
             <a:ext cx="602800" cy="602800"/>
           </a:xfrm>
           <a:prstGeom prst="rect">
@@ -1903,7 +1905,7 @@
         </p:blipFill>
         <p:spPr>
           <a:xfrm>
-            <a:off x="1727351" y="7156664"/>
+            <a:off x="1887992" y="7156664"/>
             <a:ext cx="1193545" cy="710398"/>
           </a:xfrm>
           <a:prstGeom prst="rect">
@@ -1929,7 +1931,7 @@
         </p:nvSpPr>
         <p:spPr>
           <a:xfrm>
-            <a:off x="4949781" y="5997264"/>
+            <a:off x="4986852" y="5997264"/>
             <a:ext cx="1839649" cy="620712"/>
           </a:xfrm>
           <a:prstGeom prst="rect">
@@ -1941,7 +1943,7 @@
           <a:lstStyle>
             <a:lvl1pPr marL="0" indent="0">
               <a:buNone/>
-              <a:defRPr sz="1200"/>
+              <a:defRPr sz="1600"/>
             </a:lvl1pPr>
           </a:lstStyle>
           <a:p>
@@ -1971,7 +1973,7 @@
         </p:nvSpPr>
         <p:spPr>
           <a:xfrm>
-            <a:off x="3751648" y="8142019"/>
+            <a:off x="3615721" y="8142019"/>
             <a:ext cx="2820036" cy="641977"/>
           </a:xfrm>
           <a:prstGeom prst="rect">
@@ -1983,7 +1985,7 @@
           <a:lstStyle>
             <a:lvl1pPr marL="0" indent="0">
               <a:buNone/>
-              <a:defRPr sz="1200"/>
+              <a:defRPr sz="1600"/>
             </a:lvl1pPr>
           </a:lstStyle>
           <a:p>
@@ -2013,7 +2015,7 @@
         </p:nvSpPr>
         <p:spPr>
           <a:xfrm>
-            <a:off x="187656" y="5649867"/>
+            <a:off x="27015" y="5699295"/>
             <a:ext cx="2051342" cy="944160"/>
           </a:xfrm>
           <a:prstGeom prst="rect">
@@ -2025,7 +2027,7 @@
           <a:lstStyle>
             <a:lvl1pPr marL="0" indent="0" algn="r">
               <a:buNone/>
-              <a:defRPr sz="1200"/>
+              <a:defRPr sz="1600"/>
             </a:lvl1pPr>
           </a:lstStyle>
           <a:p>
@@ -2067,7 +2069,7 @@
           <a:lstStyle>
             <a:lvl1pPr marL="0" indent="0" algn="r">
               <a:buNone/>
-              <a:defRPr sz="1200"/>
+              <a:defRPr sz="1600"/>
             </a:lvl1pPr>
           </a:lstStyle>
           <a:p>
@@ -2109,7 +2111,7 @@
           <a:lstStyle>
             <a:lvl1pPr marL="0" indent="0" algn="l">
               <a:buNone/>
-              <a:defRPr sz="1200"/>
+              <a:defRPr sz="1600"/>
             </a:lvl1pPr>
           </a:lstStyle>
           <a:p>
@@ -2139,7 +2141,7 @@
         </p:nvSpPr>
         <p:spPr>
           <a:xfrm>
-            <a:off x="324126" y="8149544"/>
+            <a:off x="484767" y="8149544"/>
             <a:ext cx="2587573" cy="497504"/>
           </a:xfrm>
           <a:prstGeom prst="rect">
@@ -2151,7 +2153,7 @@
           <a:lstStyle>
             <a:lvl1pPr marL="0" indent="0" algn="r">
               <a:buNone/>
-              <a:defRPr sz="1200"/>
+              <a:defRPr sz="1600"/>
             </a:lvl1pPr>
           </a:lstStyle>
           <a:p>
@@ -2236,7 +2238,7 @@
         </p:nvSpPr>
         <p:spPr>
           <a:xfrm>
-            <a:off x="4778869" y="354096"/>
+            <a:off x="4853011" y="168741"/>
             <a:ext cx="1800000" cy="1800000"/>
           </a:xfrm>
           <a:prstGeom prst="rect">
@@ -2537,8 +2539,8 @@
         </p:nvSpPr>
         <p:spPr>
           <a:xfrm>
-            <a:off x="5534721" y="7382632"/>
-            <a:ext cx="1089440" cy="504000"/>
+            <a:off x="5398793" y="7382632"/>
+            <a:ext cx="1232335" cy="504000"/>
           </a:xfrm>
           <a:prstGeom prst="rect">
             <a:avLst/>
@@ -2612,7 +2614,7 @@
         </p:nvSpPr>
         <p:spPr>
           <a:xfrm>
-            <a:off x="276087" y="7293918"/>
+            <a:off x="436728" y="7293918"/>
             <a:ext cx="1548000" cy="504000"/>
           </a:xfrm>
           <a:prstGeom prst="rect">
@@ -3130,6 +3132,81 @@
           </a:p>
         </p:txBody>
       </p:sp>
+      <p:sp>
+        <p:nvSpPr>
+          <p:cNvPr id="5" name="mins">
+            <a:extLst>
+              <a:ext uri="{FF2B5EF4-FFF2-40B4-BE49-F238E27FC236}">
+                <a16:creationId xmlns:a16="http://schemas.microsoft.com/office/drawing/2014/main" id="{C71ECDB7-514B-3457-61EC-0EDD81FFB2F9}"/>
+              </a:ext>
+            </a:extLst>
+          </p:cNvPr>
+          <p:cNvSpPr>
+            <a:spLocks noGrp="1"/>
+          </p:cNvSpPr>
+          <p:nvPr>
+            <p:ph type="body" sz="quarter" idx="32" hasCustomPrompt="1"/>
+          </p:nvPr>
+        </p:nvSpPr>
+        <p:spPr>
+          <a:xfrm>
+            <a:off x="115329" y="5212474"/>
+            <a:ext cx="1231345" cy="504000"/>
+          </a:xfrm>
+          <a:prstGeom prst="rect">
+            <a:avLst/>
+          </a:prstGeom>
+        </p:spPr>
+        <p:txBody>
+          <a:bodyPr lIns="0" tIns="0" rIns="0" bIns="0" anchor="ctr" anchorCtr="0"/>
+          <a:lstStyle>
+            <a:lvl1pPr marL="0" indent="0" algn="ctr">
+              <a:buNone/>
+              <a:defRPr sz="2000">
+                <a:solidFill>
+                  <a:srgbClr val="00B050"/>
+                </a:solidFill>
+              </a:defRPr>
+            </a:lvl1pPr>
+            <a:lvl2pPr>
+              <a:defRPr>
+                <a:solidFill>
+                  <a:srgbClr val="00B050"/>
+                </a:solidFill>
+              </a:defRPr>
+            </a:lvl2pPr>
+            <a:lvl3pPr>
+              <a:defRPr>
+                <a:solidFill>
+                  <a:srgbClr val="00B050"/>
+                </a:solidFill>
+              </a:defRPr>
+            </a:lvl3pPr>
+            <a:lvl4pPr>
+              <a:defRPr>
+                <a:solidFill>
+                  <a:srgbClr val="00B050"/>
+                </a:solidFill>
+              </a:defRPr>
+            </a:lvl4pPr>
+            <a:lvl5pPr>
+              <a:defRPr>
+                <a:solidFill>
+                  <a:srgbClr val="00B050"/>
+                </a:solidFill>
+              </a:defRPr>
+            </a:lvl5pPr>
+          </a:lstStyle>
+          <a:p>
+            <a:pPr lvl="0"/>
+            <a:r>
+              <a:rPr lang="en-US" dirty="0"/>
+              <a:t>mins</a:t>
+            </a:r>
+            <a:endParaRPr lang="en-AU" dirty="0"/>
+          </a:p>
+        </p:txBody>
+      </p:sp>
     </p:spTree>
     <p:extLst>
       <p:ext uri="{BB962C8B-B14F-4D97-AF65-F5344CB8AC3E}">
@@ -3390,7 +3467,7 @@
         </p:nvSpPr>
         <p:spPr>
           <a:xfrm>
-            <a:off x="3249481" y="668709"/>
+            <a:off x="3459548" y="569853"/>
             <a:ext cx="1132840" cy="457200"/>
           </a:xfrm>
           <a:custGeom>
@@ -4963,7 +5040,7 @@
         </p:nvGrpSpPr>
         <p:grpSpPr>
           <a:xfrm>
-            <a:off x="2178281" y="299438"/>
+            <a:off x="2388348" y="200582"/>
             <a:ext cx="974356" cy="1148737"/>
             <a:chOff x="0" y="0"/>
             <a:chExt cx="852169" cy="1004569"/>
